--- a/documents/draft presentation.pptx
+++ b/documents/draft presentation.pptx
@@ -2,7 +2,7 @@
 <file path=ppt/presentation.xml><?xml version="1.0" encoding="utf-8"?>
 <p:presentation xmlns:a="http://schemas.openxmlformats.org/drawingml/2006/main" xmlns:r="http://schemas.openxmlformats.org/officeDocument/2006/relationships" xmlns:p="http://schemas.openxmlformats.org/presentationml/2006/main" autoCompressPictures="0">
   <p:sldMasterIdLst>
-    <p:sldMasterId id="2147483660" r:id="rId1"/>
+    <p:sldMasterId id="2147483684" r:id="rId1"/>
   </p:sldMasterIdLst>
   <p:sldIdLst>
     <p:sldId id="256" r:id="rId2"/>
@@ -128,7 +128,7 @@
 <p:sldLayout xmlns:a="http://schemas.openxmlformats.org/drawingml/2006/main" xmlns:r="http://schemas.openxmlformats.org/officeDocument/2006/relationships" xmlns:p="http://schemas.openxmlformats.org/presentationml/2006/main" showMasterSp="0" type="title" preserve="1">
   <p:cSld name="Title Slide">
     <p:bg>
-      <p:bgRef idx="1002">
+      <p:bgRef idx="1001">
         <a:schemeClr val="bg2"/>
       </p:bgRef>
     </p:bg>
@@ -154,7 +154,7 @@
         </p:nvSpPr>
         <p:spPr>
           <a:xfrm>
-            <a:off x="0" y="0"/>
+            <a:off x="1" y="0"/>
             <a:ext cx="12192000" cy="6858000"/>
           </a:xfrm>
           <a:prstGeom prst="rect">
@@ -162,7 +162,7 @@
           </a:prstGeom>
           <a:blipFill dpi="0" rotWithShape="1">
             <a:blip r:embed="rId2">
-              <a:alphaModFix amt="45000"/>
+              <a:alphaModFix amt="40000"/>
               <a:duotone>
                 <a:schemeClr val="accent1">
                   <a:shade val="45000"/>
@@ -172,7 +172,7 @@
               </a:duotone>
             </a:blip>
             <a:srcRect/>
-            <a:tile tx="-44450" ty="38100" sx="85000" sy="85000" flip="none" algn="tl"/>
+            <a:tile tx="-133350" ty="330200" sx="85000" sy="85000" flip="xy" algn="tl"/>
           </a:blipFill>
           <a:ln>
             <a:noFill/>
@@ -269,7 +269,7 @@
             <a:avLst/>
           </a:prstGeom>
           <a:solidFill>
-            <a:schemeClr val="bg2"/>
+            <a:schemeClr val="accent1"/>
           </a:solidFill>
           <a:ln>
             <a:noFill/>
@@ -328,7 +328,10 @@
             </a:solidFill>
             <a:ln>
               <a:solidFill>
-                <a:schemeClr val="tx1"/>
+                <a:schemeClr val="tx1">
+                  <a:lumMod val="85000"/>
+                  <a:lumOff val="15000"/>
+                </a:schemeClr>
               </a:solidFill>
               <a:miter lim="800000"/>
             </a:ln>
@@ -370,7 +373,10 @@
             </a:solidFill>
             <a:ln>
               <a:solidFill>
-                <a:schemeClr val="tx1"/>
+                <a:schemeClr val="tx1">
+                  <a:lumMod val="85000"/>
+                  <a:lumOff val="15000"/>
+                </a:schemeClr>
               </a:solidFill>
               <a:miter lim="800000"/>
             </a:ln>
@@ -412,7 +418,10 @@
             </a:solidFill>
             <a:ln>
               <a:solidFill>
-                <a:schemeClr val="tx1"/>
+                <a:schemeClr val="tx1">
+                  <a:lumMod val="85000"/>
+                  <a:lumOff val="15000"/>
+                </a:schemeClr>
               </a:solidFill>
               <a:miter lim="800000"/>
             </a:ln>
@@ -509,7 +518,9 @@
               <a:buNone/>
               <a:defRPr sz="1600" spc="80" baseline="0">
                 <a:solidFill>
-                  <a:schemeClr val="tx1"/>
+                  <a:schemeClr val="tx2">
+                    <a:lumMod val="75000"/>
+                  </a:schemeClr>
                 </a:solidFill>
               </a:defRPr>
             </a:lvl1pPr>
@@ -577,7 +588,7 @@
             <a:lvl1pPr algn="ctr">
               <a:defRPr sz="1300" spc="0" baseline="0">
                 <a:solidFill>
-                  <a:schemeClr val="tx1"/>
+                  <a:srgbClr val="FFFFFF"/>
                 </a:solidFill>
                 <a:latin typeface="+mn-lt"/>
               </a:defRPr>
@@ -604,7 +615,7 @@
         </p:nvSpPr>
         <p:spPr>
           <a:xfrm>
-            <a:off x="1453896" y="5211060"/>
+            <a:off x="1453896" y="5212080"/>
             <a:ext cx="5905500" cy="228600"/>
           </a:xfrm>
         </p:spPr>
@@ -674,7 +685,7 @@
     </p:spTree>
     <p:extLst>
       <p:ext uri="{BB962C8B-B14F-4D97-AF65-F5344CB8AC3E}">
-        <p14:creationId xmlns:p14="http://schemas.microsoft.com/office/powerpoint/2010/main" val="3216975063"/>
+        <p14:creationId xmlns:p14="http://schemas.microsoft.com/office/powerpoint/2010/main" val="4191795541"/>
       </p:ext>
     </p:extLst>
   </p:cSld>
@@ -849,7 +860,7 @@
     </p:spTree>
     <p:extLst>
       <p:ext uri="{BB962C8B-B14F-4D97-AF65-F5344CB8AC3E}">
-        <p14:creationId xmlns:p14="http://schemas.microsoft.com/office/powerpoint/2010/main" val="3242845779"/>
+        <p14:creationId xmlns:p14="http://schemas.microsoft.com/office/powerpoint/2010/main" val="3853560762"/>
       </p:ext>
     </p:extLst>
   </p:cSld>
@@ -1034,7 +1045,7 @@
     </p:spTree>
     <p:extLst>
       <p:ext uri="{BB962C8B-B14F-4D97-AF65-F5344CB8AC3E}">
-        <p14:creationId xmlns:p14="http://schemas.microsoft.com/office/powerpoint/2010/main" val="561218039"/>
+        <p14:creationId xmlns:p14="http://schemas.microsoft.com/office/powerpoint/2010/main" val="1745588912"/>
       </p:ext>
     </p:extLst>
   </p:cSld>
@@ -1138,7 +1149,7 @@
       </p:sp>
       <p:sp>
         <p:nvSpPr>
-          <p:cNvPr id="7" name="Date Placeholder 6"/>
+          <p:cNvPr id="4" name="Date Placeholder 3"/>
           <p:cNvSpPr>
             <a:spLocks noGrp="1"/>
           </p:cNvSpPr>
@@ -1161,7 +1172,7 @@
       </p:sp>
       <p:sp>
         <p:nvSpPr>
-          <p:cNvPr id="8" name="Footer Placeholder 7"/>
+          <p:cNvPr id="5" name="Footer Placeholder 4"/>
           <p:cNvSpPr>
             <a:spLocks noGrp="1"/>
           </p:cNvSpPr>
@@ -1185,7 +1196,7 @@
       </p:sp>
       <p:sp>
         <p:nvSpPr>
-          <p:cNvPr id="9" name="Slide Number Placeholder 8"/>
+          <p:cNvPr id="6" name="Slide Number Placeholder 5"/>
           <p:cNvSpPr>
             <a:spLocks noGrp="1"/>
           </p:cNvSpPr>
@@ -1209,7 +1220,7 @@
     </p:spTree>
     <p:extLst>
       <p:ext uri="{BB962C8B-B14F-4D97-AF65-F5344CB8AC3E}">
-        <p14:creationId xmlns:p14="http://schemas.microsoft.com/office/powerpoint/2010/main" val="1692356875"/>
+        <p14:creationId xmlns:p14="http://schemas.microsoft.com/office/powerpoint/2010/main" val="4208194488"/>
       </p:ext>
     </p:extLst>
   </p:cSld>
@@ -1223,7 +1234,7 @@
 <p:sldLayout xmlns:a="http://schemas.openxmlformats.org/drawingml/2006/main" xmlns:r="http://schemas.openxmlformats.org/officeDocument/2006/relationships" xmlns:p="http://schemas.openxmlformats.org/presentationml/2006/main" showMasterSp="0" type="secHead" preserve="1">
   <p:cSld name="Section Header">
     <p:bg>
-      <p:bgRef idx="1002">
+      <p:bgRef idx="1001">
         <a:schemeClr val="bg2"/>
       </p:bgRef>
     </p:bg>
@@ -1243,13 +1254,13 @@
       </p:grpSpPr>
       <p:sp>
         <p:nvSpPr>
-          <p:cNvPr id="22" name="Rectangle 21"/>
+          <p:cNvPr id="16" name="Rectangle 15"/>
           <p:cNvSpPr/>
           <p:nvPr/>
         </p:nvSpPr>
         <p:spPr>
           <a:xfrm>
-            <a:off x="0" y="0"/>
+            <a:off x="11784" y="0"/>
             <a:ext cx="12192000" cy="6858000"/>
           </a:xfrm>
           <a:prstGeom prst="rect">
@@ -1257,7 +1268,7 @@
           </a:prstGeom>
           <a:blipFill dpi="0" rotWithShape="1">
             <a:blip r:embed="rId2">
-              <a:alphaModFix amt="45000"/>
+              <a:alphaModFix amt="40000"/>
               <a:duotone>
                 <a:schemeClr val="accent2">
                   <a:shade val="45000"/>
@@ -1267,7 +1278,7 @@
               </a:duotone>
             </a:blip>
             <a:srcRect/>
-            <a:tile tx="-44450" ty="38100" sx="85000" sy="85000" flip="none" algn="tl"/>
+            <a:tile tx="-133350" ty="330200" sx="85000" sy="85000" flip="xy" algn="tl"/>
           </a:blipFill>
           <a:ln>
             <a:noFill/>
@@ -1329,7 +1340,7 @@
         </p:nvSpPr>
         <p:spPr>
           <a:xfrm>
-            <a:off x="1447800" y="1411615"/>
+            <a:off x="1447801" y="1411615"/>
             <a:ext cx="9296400" cy="4034770"/>
           </a:xfrm>
           <a:prstGeom prst="rect">
@@ -1364,7 +1375,7 @@
             <a:avLst/>
           </a:prstGeom>
           <a:solidFill>
-            <a:schemeClr val="bg2"/>
+            <a:schemeClr val="accent2"/>
           </a:solidFill>
           <a:ln>
             <a:noFill/>
@@ -1423,7 +1434,9 @@
             </a:solidFill>
             <a:ln>
               <a:solidFill>
-                <a:schemeClr val="tx1"/>
+                <a:schemeClr val="accent2">
+                  <a:lumMod val="50000"/>
+                </a:schemeClr>
               </a:solidFill>
               <a:miter lim="800000"/>
             </a:ln>
@@ -1465,7 +1478,9 @@
             </a:solidFill>
             <a:ln>
               <a:solidFill>
-                <a:schemeClr val="tx1"/>
+                <a:schemeClr val="accent2">
+                  <a:lumMod val="50000"/>
+                </a:schemeClr>
               </a:solidFill>
               <a:miter lim="800000"/>
             </a:ln>
@@ -1507,7 +1522,9 @@
             </a:solidFill>
             <a:ln>
               <a:solidFill>
-                <a:schemeClr val="tx1"/>
+                <a:schemeClr val="accent2">
+                  <a:lumMod val="50000"/>
+                </a:schemeClr>
               </a:solidFill>
               <a:miter lim="800000"/>
             </a:ln>
@@ -1599,9 +1616,12 @@
           <a:lstStyle>
             <a:lvl1pPr marL="0" indent="0" algn="ctr">
               <a:buNone/>
+              <a:tabLst>
+                <a:tab pos="2633663" algn="l"/>
+              </a:tabLst>
               <a:defRPr sz="1600">
                 <a:solidFill>
-                  <a:schemeClr val="tx1"/>
+                  <a:schemeClr val="tx2"/>
                 </a:solidFill>
                 <a:effectLst/>
               </a:defRPr>
@@ -1718,7 +1738,7 @@
             <a:lvl1pPr algn="ctr">
               <a:defRPr lang="en-US" sz="1300" kern="1200" spc="0" baseline="0">
                 <a:solidFill>
-                  <a:schemeClr val="tx1"/>
+                  <a:srgbClr val="FFFFFF"/>
                 </a:solidFill>
                 <a:latin typeface="+mn-lt"/>
                 <a:ea typeface="+mn-ea"/>
@@ -1747,7 +1767,7 @@
         </p:nvSpPr>
         <p:spPr>
           <a:xfrm>
-            <a:off x="1453553" y="5211060"/>
+            <a:off x="1453896" y="5212080"/>
             <a:ext cx="5907024" cy="228600"/>
           </a:xfrm>
         </p:spPr>
@@ -1780,7 +1800,7 @@
         </p:nvSpPr>
         <p:spPr>
           <a:xfrm>
-            <a:off x="8604504" y="5211060"/>
+            <a:off x="8604504" y="5212080"/>
             <a:ext cx="2112264" cy="228600"/>
           </a:xfrm>
         </p:spPr>
@@ -1799,7 +1819,7 @@
     </p:spTree>
     <p:extLst>
       <p:ext uri="{BB962C8B-B14F-4D97-AF65-F5344CB8AC3E}">
-        <p14:creationId xmlns:p14="http://schemas.microsoft.com/office/powerpoint/2010/main" val="79658218"/>
+        <p14:creationId xmlns:p14="http://schemas.microsoft.com/office/powerpoint/2010/main" val="1402427304"/>
       </p:ext>
     </p:extLst>
   </p:cSld>
@@ -2092,7 +2112,7 @@
     </p:spTree>
     <p:extLst>
       <p:ext uri="{BB962C8B-B14F-4D97-AF65-F5344CB8AC3E}">
-        <p14:creationId xmlns:p14="http://schemas.microsoft.com/office/powerpoint/2010/main" val="653621850"/>
+        <p14:creationId xmlns:p14="http://schemas.microsoft.com/office/powerpoint/2010/main" val="3667670227"/>
       </p:ext>
     </p:extLst>
   </p:cSld>
@@ -2168,7 +2188,7 @@
                 <a:spcPts val="0"/>
               </a:spcBef>
               <a:buNone/>
-              <a:defRPr sz="1900" b="0">
+              <a:defRPr sz="1800" b="0">
                 <a:solidFill>
                   <a:schemeClr val="tx2"/>
                 </a:solidFill>
@@ -2177,7 +2197,7 @@
             </a:lvl1pPr>
             <a:lvl2pPr marL="457200" indent="0">
               <a:buNone/>
-              <a:defRPr sz="1900" b="1"/>
+              <a:defRPr sz="1800" b="1"/>
             </a:lvl2pPr>
             <a:lvl3pPr marL="914400" indent="0">
               <a:buNone/>
@@ -2328,7 +2348,7 @@
                 <a:spcPts val="0"/>
               </a:spcBef>
               <a:buNone/>
-              <a:defRPr sz="1900" b="0">
+              <a:defRPr sz="1800" b="0">
                 <a:solidFill>
                   <a:schemeClr val="tx2"/>
                 </a:solidFill>
@@ -2336,7 +2356,7 @@
             </a:lvl1pPr>
             <a:lvl2pPr marL="457200" indent="0">
               <a:buNone/>
-              <a:defRPr sz="1900" b="1"/>
+              <a:defRPr sz="1800" b="1"/>
             </a:lvl2pPr>
             <a:lvl3pPr marL="914400" indent="0">
               <a:buNone/>
@@ -2534,7 +2554,7 @@
     </p:spTree>
     <p:extLst>
       <p:ext uri="{BB962C8B-B14F-4D97-AF65-F5344CB8AC3E}">
-        <p14:creationId xmlns:p14="http://schemas.microsoft.com/office/powerpoint/2010/main" val="2486885725"/>
+        <p14:creationId xmlns:p14="http://schemas.microsoft.com/office/powerpoint/2010/main" val="2761105514"/>
       </p:ext>
     </p:extLst>
   </p:cSld>
@@ -2657,7 +2677,7 @@
     </p:spTree>
     <p:extLst>
       <p:ext uri="{BB962C8B-B14F-4D97-AF65-F5344CB8AC3E}">
-        <p14:creationId xmlns:p14="http://schemas.microsoft.com/office/powerpoint/2010/main" val="4005537240"/>
+        <p14:creationId xmlns:p14="http://schemas.microsoft.com/office/powerpoint/2010/main" val="2854569894"/>
       </p:ext>
     </p:extLst>
   </p:cSld>
@@ -2757,7 +2777,7 @@
     </p:spTree>
     <p:extLst>
       <p:ext uri="{BB962C8B-B14F-4D97-AF65-F5344CB8AC3E}">
-        <p14:creationId xmlns:p14="http://schemas.microsoft.com/office/powerpoint/2010/main" val="3439977099"/>
+        <p14:creationId xmlns:p14="http://schemas.microsoft.com/office/powerpoint/2010/main" val="956976751"/>
       </p:ext>
     </p:extLst>
   </p:cSld>
@@ -2786,14 +2806,14 @@
       </p:grpSpPr>
       <p:sp>
         <p:nvSpPr>
-          <p:cNvPr id="16" name="Rectangle 15"/>
+          <p:cNvPr id="15" name="Rectangle 14"/>
           <p:cNvSpPr/>
           <p:nvPr/>
         </p:nvSpPr>
         <p:spPr>
           <a:xfrm>
-            <a:off x="245529" y="237744"/>
-            <a:ext cx="8531352" cy="6382512"/>
+            <a:off x="9020386" y="237744"/>
+            <a:ext cx="2926080" cy="6382512"/>
           </a:xfrm>
           <a:prstGeom prst="rect">
             <a:avLst/>
@@ -2824,44 +2844,6 @@
       </p:sp>
       <p:sp>
         <p:nvSpPr>
-          <p:cNvPr id="15" name="Rectangle 14"/>
-          <p:cNvSpPr/>
-          <p:nvPr/>
-        </p:nvSpPr>
-        <p:spPr>
-          <a:xfrm>
-            <a:off x="9020386" y="237744"/>
-            <a:ext cx="2926080" cy="6382512"/>
-          </a:xfrm>
-          <a:prstGeom prst="rect">
-            <a:avLst/>
-          </a:prstGeom>
-          <a:solidFill>
-            <a:schemeClr val="accent1"/>
-          </a:solidFill>
-          <a:ln>
-            <a:noFill/>
-          </a:ln>
-        </p:spPr>
-        <p:style>
-          <a:lnRef idx="2">
-            <a:schemeClr val="accent1">
-              <a:shade val="50000"/>
-            </a:schemeClr>
-          </a:lnRef>
-          <a:fillRef idx="1">
-            <a:schemeClr val="accent1"/>
-          </a:fillRef>
-          <a:effectRef idx="0">
-            <a:schemeClr val="accent1"/>
-          </a:effectRef>
-          <a:fontRef idx="minor">
-            <a:schemeClr val="lt1"/>
-          </a:fontRef>
-        </p:style>
-      </p:sp>
-      <p:sp>
-        <p:nvSpPr>
           <p:cNvPr id="2" name="Title 1"/>
           <p:cNvSpPr>
             <a:spLocks noGrp="1"/>
@@ -2891,7 +2873,7 @@
               <a:buNone/>
               <a:defRPr lang="en-US" sz="2800" b="0" kern="1200" cap="none" spc="0" baseline="0" dirty="0">
                 <a:solidFill>
-                  <a:srgbClr val="FFFFFF"/>
+                  <a:schemeClr val="tx1"/>
                 </a:solidFill>
                 <a:effectLst/>
                 <a:latin typeface="+mj-lt"/>
@@ -2929,7 +2911,7 @@
           <a:bodyPr/>
           <a:lstStyle>
             <a:lvl1pPr>
-              <a:defRPr sz="1800"/>
+              <a:defRPr sz="1900"/>
             </a:lvl1pPr>
             <a:lvl2pPr>
               <a:defRPr sz="1600"/>
@@ -3025,7 +3007,7 @@
               <a:buNone/>
               <a:defRPr sz="1400">
                 <a:solidFill>
-                  <a:srgbClr val="FFFFFF"/>
+                  <a:schemeClr val="tx1"/>
                 </a:solidFill>
               </a:defRPr>
             </a:lvl1pPr>
@@ -3134,21 +3116,13 @@
         </p:nvSpPr>
         <p:spPr>
           <a:xfrm>
-            <a:off x="10393677" y="6223002"/>
-            <a:ext cx="1463040" cy="274320"/>
+            <a:off x="10396728" y="6227064"/>
+            <a:ext cx="1463040" cy="256032"/>
           </a:xfrm>
         </p:spPr>
         <p:txBody>
           <a:bodyPr/>
-          <a:lstStyle>
-            <a:lvl1pPr>
-              <a:defRPr>
-                <a:solidFill>
-                  <a:srgbClr val="FFFFFF"/>
-                </a:solidFill>
-              </a:defRPr>
-            </a:lvl1pPr>
-          </a:lstStyle>
+          <a:lstStyle/>
           <a:p>
             <a:fld id="{6D22F896-40B5-4ADD-8801-0D06FADFA095}" type="slidenum">
               <a:rPr lang="en-US" smtClean="0"/>
@@ -3175,7 +3149,10 @@
           <a:noFill/>
           <a:ln w="6350" cap="sq">
             <a:solidFill>
-              <a:srgbClr val="FFFFFF"/>
+              <a:schemeClr val="tx1">
+                <a:lumMod val="75000"/>
+                <a:lumOff val="25000"/>
+              </a:schemeClr>
             </a:solidFill>
             <a:miter lim="800000"/>
           </a:ln>
@@ -3200,7 +3177,7 @@
     </p:spTree>
     <p:extLst>
       <p:ext uri="{BB962C8B-B14F-4D97-AF65-F5344CB8AC3E}">
-        <p14:creationId xmlns:p14="http://schemas.microsoft.com/office/powerpoint/2010/main" val="3096166795"/>
+        <p14:creationId xmlns:p14="http://schemas.microsoft.com/office/powerpoint/2010/main" val="321508844"/>
       </p:ext>
     </p:extLst>
   </p:cSld>
@@ -3242,7 +3219,7 @@
             <a:avLst/>
           </a:prstGeom>
           <a:solidFill>
-            <a:schemeClr val="accent1"/>
+            <a:schemeClr val="bg2"/>
           </a:solidFill>
           <a:ln>
             <a:noFill/>
@@ -3289,7 +3266,7 @@
             <a:lvl1pPr algn="l">
               <a:defRPr sz="2800" b="0">
                 <a:solidFill>
-                  <a:srgbClr val="FFFFFF"/>
+                  <a:schemeClr val="tx1"/>
                 </a:solidFill>
                 <a:latin typeface="+mj-lt"/>
               </a:defRPr>
@@ -3320,7 +3297,7 @@
             <a:ext cx="8531352" cy="6382512"/>
           </a:xfrm>
           <a:solidFill>
-            <a:schemeClr val="accent1">
+            <a:schemeClr val="accent6">
               <a:lumMod val="60000"/>
               <a:lumOff val="40000"/>
             </a:schemeClr>
@@ -3409,7 +3386,7 @@
               <a:buNone/>
               <a:defRPr sz="1400">
                 <a:solidFill>
-                  <a:srgbClr val="FFFFFF"/>
+                  <a:schemeClr val="tx1"/>
                 </a:solidFill>
               </a:defRPr>
             </a:lvl1pPr>
@@ -3475,7 +3452,7 @@
                   <a:srgbClr val="FFFFFF"/>
                 </a:solidFill>
                 <a:effectLst>
-                  <a:outerShdw blurRad="12700" dist="6350" dir="2700000" algn="tl" rotWithShape="0">
+                  <a:outerShdw blurRad="19050" dist="6350" dir="2700000" algn="tl" rotWithShape="0">
                     <a:prstClr val="black">
                       <a:alpha val="40000"/>
                     </a:prstClr>
@@ -3513,7 +3490,7 @@
                   <a:srgbClr val="FFFFFF"/>
                 </a:solidFill>
                 <a:effectLst>
-                  <a:outerShdw blurRad="12700" dist="6350" dir="2700000" algn="tl" rotWithShape="0">
+                  <a:outerShdw blurRad="19050" dist="6350" dir="2700000" algn="tl" rotWithShape="0">
                     <a:prstClr val="black">
                       <a:alpha val="40000"/>
                     </a:prstClr>
@@ -3548,20 +3525,12 @@
         <p:spPr>
           <a:xfrm>
             <a:off x="10396728" y="6227064"/>
-            <a:ext cx="1463040" cy="274320"/>
+            <a:ext cx="1463040" cy="256032"/>
           </a:xfrm>
         </p:spPr>
         <p:txBody>
           <a:bodyPr/>
-          <a:lstStyle>
-            <a:lvl1pPr>
-              <a:defRPr>
-                <a:solidFill>
-                  <a:srgbClr val="FFFFFF"/>
-                </a:solidFill>
-              </a:defRPr>
-            </a:lvl1pPr>
-          </a:lstStyle>
+          <a:lstStyle/>
           <a:p>
             <a:fld id="{6D22F896-40B5-4ADD-8801-0D06FADFA095}" type="slidenum">
               <a:rPr lang="en-US" smtClean="0"/>
@@ -3588,7 +3557,10 @@
           <a:noFill/>
           <a:ln w="6350" cap="sq">
             <a:solidFill>
-              <a:srgbClr val="FFFFFF"/>
+              <a:schemeClr val="tx1">
+                <a:lumMod val="75000"/>
+                <a:lumOff val="25000"/>
+              </a:schemeClr>
             </a:solidFill>
             <a:miter lim="800000"/>
           </a:ln>
@@ -3613,7 +3585,7 @@
     </p:spTree>
     <p:extLst>
       <p:ext uri="{BB962C8B-B14F-4D97-AF65-F5344CB8AC3E}">
-        <p14:creationId xmlns:p14="http://schemas.microsoft.com/office/powerpoint/2010/main" val="689413024"/>
+        <p14:creationId xmlns:p14="http://schemas.microsoft.com/office/powerpoint/2010/main" val="2312500892"/>
       </p:ext>
     </p:extLst>
   </p:cSld>
@@ -3781,8 +3753,8 @@
         </p:nvSpPr>
         <p:spPr>
           <a:xfrm>
-            <a:off x="274320" y="6307672"/>
-            <a:ext cx="2743200" cy="274320"/>
+            <a:off x="389464" y="6214535"/>
+            <a:ext cx="2743200" cy="256032"/>
           </a:xfrm>
           <a:prstGeom prst="rect">
             <a:avLst/>
@@ -3823,8 +3795,8 @@
         </p:nvSpPr>
         <p:spPr>
           <a:xfrm>
-            <a:off x="3489960" y="6307672"/>
-            <a:ext cx="5212080" cy="274320"/>
+            <a:off x="3489960" y="6214535"/>
+            <a:ext cx="5212080" cy="256032"/>
           </a:xfrm>
           <a:prstGeom prst="rect">
             <a:avLst/>
@@ -3866,8 +3838,8 @@
         </p:nvSpPr>
         <p:spPr>
           <a:xfrm>
-            <a:off x="10469880" y="6307672"/>
-            <a:ext cx="1463040" cy="274320"/>
+            <a:off x="10348535" y="6214535"/>
+            <a:ext cx="1463040" cy="256032"/>
           </a:xfrm>
           <a:prstGeom prst="rect">
             <a:avLst/>
@@ -3897,26 +3869,54 @@
           </a:p>
         </p:txBody>
       </p:sp>
+      <p:sp>
+        <p:nvSpPr>
+          <p:cNvPr id="8" name="Rectangle 7"/>
+          <p:cNvSpPr/>
+          <p:nvPr/>
+        </p:nvSpPr>
+        <p:spPr>
+          <a:xfrm>
+            <a:off x="371856" y="374904"/>
+            <a:ext cx="11448288" cy="6108192"/>
+          </a:xfrm>
+          <a:prstGeom prst="rect">
+            <a:avLst/>
+          </a:prstGeom>
+          <a:noFill/>
+          <a:ln w="6350" cap="sq" cmpd="sng" algn="ctr">
+            <a:solidFill>
+              <a:schemeClr val="tx1">
+                <a:lumMod val="75000"/>
+                <a:lumOff val="25000"/>
+              </a:schemeClr>
+            </a:solidFill>
+            <a:prstDash val="solid"/>
+            <a:miter lim="800000"/>
+          </a:ln>
+          <a:effectLst/>
+        </p:spPr>
+      </p:sp>
     </p:spTree>
     <p:extLst>
       <p:ext uri="{BB962C8B-B14F-4D97-AF65-F5344CB8AC3E}">
-        <p14:creationId xmlns:p14="http://schemas.microsoft.com/office/powerpoint/2010/main" val="3139748557"/>
+        <p14:creationId xmlns:p14="http://schemas.microsoft.com/office/powerpoint/2010/main" val="1039958832"/>
       </p:ext>
     </p:extLst>
   </p:cSld>
   <p:clrMap bg1="lt1" tx1="dk1" bg2="lt2" tx2="dk2" accent1="accent1" accent2="accent2" accent3="accent3" accent4="accent4" accent5="accent5" accent6="accent6" hlink="hlink" folHlink="folHlink"/>
   <p:sldLayoutIdLst>
-    <p:sldLayoutId id="2147483661" r:id="rId1"/>
-    <p:sldLayoutId id="2147483662" r:id="rId2"/>
-    <p:sldLayoutId id="2147483663" r:id="rId3"/>
-    <p:sldLayoutId id="2147483664" r:id="rId4"/>
-    <p:sldLayoutId id="2147483665" r:id="rId5"/>
-    <p:sldLayoutId id="2147483666" r:id="rId6"/>
-    <p:sldLayoutId id="2147483667" r:id="rId7"/>
-    <p:sldLayoutId id="2147483668" r:id="rId8"/>
-    <p:sldLayoutId id="2147483669" r:id="rId9"/>
-    <p:sldLayoutId id="2147483670" r:id="rId10"/>
-    <p:sldLayoutId id="2147483671" r:id="rId11"/>
+    <p:sldLayoutId id="2147483685" r:id="rId1"/>
+    <p:sldLayoutId id="2147483686" r:id="rId2"/>
+    <p:sldLayoutId id="2147483687" r:id="rId3"/>
+    <p:sldLayoutId id="2147483688" r:id="rId4"/>
+    <p:sldLayoutId id="2147483689" r:id="rId5"/>
+    <p:sldLayoutId id="2147483690" r:id="rId6"/>
+    <p:sldLayoutId id="2147483691" r:id="rId7"/>
+    <p:sldLayoutId id="2147483692" r:id="rId8"/>
+    <p:sldLayoutId id="2147483693" r:id="rId9"/>
+    <p:sldLayoutId id="2147483694" r:id="rId10"/>
+    <p:sldLayoutId id="2147483695" r:id="rId11"/>
   </p:sldLayoutIdLst>
   <p:hf sldNum="0" hdr="0" ftr="0" dt="0"/>
   <p:txStyles>
@@ -4394,7 +4394,7 @@
         <p:spPr/>
         <p:txBody>
           <a:bodyPr>
-            <a:normAutofit fontScale="90000"/>
+            <a:normAutofit/>
           </a:bodyPr>
           <a:lstStyle/>
           <a:p>
@@ -4601,7 +4601,10 @@
           <a:bodyPr/>
           <a:lstStyle/>
           <a:p>
-            <a:endParaRPr lang="en-AU" dirty="0"/>
+            <a:r>
+              <a:rPr lang="en-AU" dirty="0"/>
+              <a:t>Methodology</a:t>
+            </a:r>
           </a:p>
         </p:txBody>
       </p:sp>
@@ -4626,7 +4629,7 @@
           <a:bodyPr/>
           <a:lstStyle/>
           <a:p>
-            <a:endParaRPr lang="en-AU"/>
+            <a:endParaRPr lang="en-AU" dirty="0"/>
           </a:p>
         </p:txBody>
       </p:sp>
@@ -4654,39 +4657,39 @@
         <a:sysClr val="window" lastClr="FFFFFF"/>
       </a:lt1>
       <a:dk2>
-        <a:srgbClr val="1485A4"/>
+        <a:srgbClr val="736059"/>
       </a:dk2>
       <a:lt2>
-        <a:srgbClr val="E3DED1"/>
+        <a:srgbClr val="E7E0C7"/>
       </a:lt2>
       <a:accent1>
-        <a:srgbClr val="1CADE4"/>
+        <a:srgbClr val="92B0C8"/>
       </a:accent1>
       <a:accent2>
-        <a:srgbClr val="2683C6"/>
+        <a:srgbClr val="E37C3D"/>
       </a:accent2>
       <a:accent3>
-        <a:srgbClr val="27CED7"/>
+        <a:srgbClr val="A5AB81"/>
       </a:accent3>
       <a:accent4>
-        <a:srgbClr val="42BA97"/>
+        <a:srgbClr val="E9B635"/>
       </a:accent4>
       <a:accent5>
-        <a:srgbClr val="3E8853"/>
+        <a:srgbClr val="7BA79D"/>
       </a:accent5>
       <a:accent6>
-        <a:srgbClr val="62A39F"/>
+        <a:srgbClr val="968C8C"/>
       </a:accent6>
       <a:hlink>
-        <a:srgbClr val="F49100"/>
+        <a:srgbClr val="F7A115"/>
       </a:hlink>
       <a:folHlink>
-        <a:srgbClr val="739D9B"/>
+        <a:srgbClr val="969696"/>
       </a:folHlink>
     </a:clrScheme>
     <a:fontScheme name="Savon">
       <a:majorFont>
-        <a:latin typeface="Century Gothic" panose="020B0502020202020204"/>
+        <a:latin typeface="Garamond" panose="02020404030301010803"/>
         <a:ea typeface=""/>
         <a:cs typeface=""/>
         <a:font script="Jpan" typeface="ＭＳ ゴシック"/>
@@ -4721,7 +4724,7 @@
         <a:font script="Geor" typeface="Sylfaen"/>
       </a:majorFont>
       <a:minorFont>
-        <a:latin typeface="Century Gothic" panose="020B0502020202020204"/>
+        <a:latin typeface="Garamond" panose="02020404030301010803"/>
         <a:ea typeface=""/>
         <a:cs typeface=""/>
         <a:font script="Jpan" typeface="ＭＳ ゴシック"/>
@@ -4875,27 +4878,22 @@
           <a:gsLst>
             <a:gs pos="0">
               <a:schemeClr val="phClr">
-                <a:tint val="90000"/>
-                <a:shade val="92000"/>
-                <a:satMod val="160000"/>
-              </a:schemeClr>
-            </a:gs>
-            <a:gs pos="77000">
-              <a:schemeClr val="phClr">
-                <a:tint val="100000"/>
-                <a:shade val="73000"/>
-                <a:satMod val="155000"/>
+                <a:tint val="80000"/>
+                <a:shade val="100000"/>
+                <a:satMod val="300000"/>
               </a:schemeClr>
             </a:gs>
             <a:gs pos="100000">
               <a:schemeClr val="phClr">
                 <a:tint val="100000"/>
-                <a:shade val="67000"/>
-                <a:satMod val="145000"/>
+                <a:shade val="30000"/>
+                <a:satMod val="200000"/>
               </a:schemeClr>
             </a:gs>
           </a:gsLst>
-          <a:lin ang="5400000" scaled="0"/>
+          <a:path path="circle">
+            <a:fillToRect l="50000" t="50000" r="50000" b="50000"/>
+          </a:path>
         </a:gradFill>
         <a:blipFill rotWithShape="1">
           <a:blip xmlns:r="http://schemas.openxmlformats.org/officeDocument/2006/relationships" r:embed="rId1">
@@ -4918,7 +4916,7 @@
   <a:extraClrSchemeLst/>
   <a:extLst>
     <a:ext uri="{05A4C25C-085E-4340-85A3-A5531E510DB2}">
-      <thm15:themeFamily xmlns:thm15="http://schemas.microsoft.com/office/thememl/2012/main" name="Savon" id="{1306E473-ED32-493B-A2D0-240A757EDD34}" vid="{C20BADFE-D095-436F-9677-9264042809F0}"/>
+      <thm15:themeFamily xmlns:thm15="http://schemas.microsoft.com/office/thememl/2012/main" name="Savon" id="{1306E473-ED32-493B-A2D0-240A757EDD34}" vid="{3F20CFC1-E34F-405B-AA49-5BE0E194F1B3}"/>
     </a:ext>
   </a:extLst>
 </a:theme>

--- a/documents/draft presentation.pptx
+++ b/documents/draft presentation.pptx
@@ -8,7 +8,16 @@
     <p:sldId id="256" r:id="rId2"/>
     <p:sldId id="257" r:id="rId3"/>
     <p:sldId id="258" r:id="rId4"/>
-    <p:sldId id="259" r:id="rId5"/>
+    <p:sldId id="260" r:id="rId5"/>
+    <p:sldId id="259" r:id="rId6"/>
+    <p:sldId id="261" r:id="rId7"/>
+    <p:sldId id="262" r:id="rId8"/>
+    <p:sldId id="263" r:id="rId9"/>
+    <p:sldId id="264" r:id="rId10"/>
+    <p:sldId id="265" r:id="rId11"/>
+    <p:sldId id="268" r:id="rId12"/>
+    <p:sldId id="267" r:id="rId13"/>
+    <p:sldId id="266" r:id="rId14"/>
   </p:sldIdLst>
   <p:sldSz cx="12192000" cy="6858000"/>
   <p:notesSz cx="6858000" cy="9144000"/>
@@ -115,10 +124,22 @@
             <p14:sldId id="256"/>
             <p14:sldId id="257"/>
             <p14:sldId id="258"/>
+            <p14:sldId id="260"/>
             <p14:sldId id="259"/>
+            <p14:sldId id="261"/>
+            <p14:sldId id="262"/>
+            <p14:sldId id="263"/>
+            <p14:sldId id="264"/>
+            <p14:sldId id="265"/>
+            <p14:sldId id="268"/>
+            <p14:sldId id="267"/>
+            <p14:sldId id="266"/>
           </p14:sldIdLst>
         </p14:section>
       </p14:sectionLst>
+    </p:ext>
+    <p:ext uri="{EFAFB233-063F-42B5-8137-9DF3F51BA10A}">
+      <p15:sldGuideLst xmlns:p15="http://schemas.microsoft.com/office/powerpoint/2012/main"/>
     </p:ext>
   </p:extLst>
 </p:presentation>
@@ -597,7 +618,7 @@
           <a:p>
             <a:fld id="{9AB3A824-1A51-4B26-AD58-A6D8E14F6C04}" type="datetimeFigureOut">
               <a:rPr lang="en-US" smtClean="0"/>
-              <a:t>5/19/21</a:t>
+              <a:t>5/25/21</a:t>
             </a:fld>
             <a:endParaRPr lang="en-US" dirty="0"/>
           </a:p>
@@ -804,7 +825,7 @@
           <a:p>
             <a:fld id="{D857E33E-8B18-4087-B112-809917729534}" type="datetimeFigureOut">
               <a:rPr lang="en-US" smtClean="0"/>
-              <a:t>5/19/21</a:t>
+              <a:t>5/25/21</a:t>
             </a:fld>
             <a:endParaRPr lang="en-US" dirty="0"/>
           </a:p>
@@ -989,7 +1010,7 @@
           <a:p>
             <a:fld id="{D3FFE419-2371-464F-8239-3959401C3561}" type="datetimeFigureOut">
               <a:rPr lang="en-US" smtClean="0"/>
-              <a:t>5/19/21</a:t>
+              <a:t>5/25/21</a:t>
             </a:fld>
             <a:endParaRPr lang="en-US" dirty="0"/>
           </a:p>
@@ -1164,7 +1185,7 @@
           <a:p>
             <a:fld id="{97D162C4-EDD9-4389-A98B-B87ECEA2A816}" type="datetimeFigureOut">
               <a:rPr lang="en-US" smtClean="0"/>
-              <a:t>5/19/21</a:t>
+              <a:t>5/25/21</a:t>
             </a:fld>
             <a:endParaRPr lang="en-US" dirty="0"/>
           </a:p>
@@ -1749,7 +1770,7 @@
           <a:p>
             <a:fld id="{3E5059C3-6A89-4494-99FF-5A4D6FFD50EB}" type="datetimeFigureOut">
               <a:rPr lang="en-US" smtClean="0"/>
-              <a:t>5/19/21</a:t>
+              <a:t>5/25/21</a:t>
             </a:fld>
             <a:endParaRPr lang="en-US" dirty="0"/>
           </a:p>
@@ -2056,7 +2077,7 @@
           <a:p>
             <a:fld id="{CA954B2F-12DE-47F5-8894-472B206D2E1E}" type="datetimeFigureOut">
               <a:rPr lang="en-US" smtClean="0"/>
-              <a:t>5/19/21</a:t>
+              <a:t>5/25/21</a:t>
             </a:fld>
             <a:endParaRPr lang="en-US" dirty="0"/>
           </a:p>
@@ -2498,7 +2519,7 @@
           <a:p>
             <a:fld id="{3F30E46F-7819-4ACF-B48B-48222C2ACC88}" type="datetimeFigureOut">
               <a:rPr lang="en-US" smtClean="0"/>
-              <a:t>5/19/21</a:t>
+              <a:t>5/25/21</a:t>
             </a:fld>
             <a:endParaRPr lang="en-US" dirty="0"/>
           </a:p>
@@ -2621,7 +2642,7 @@
           <a:p>
             <a:fld id="{1FAF3416-4057-4DAA-829D-4CA07428D088}" type="datetimeFigureOut">
               <a:rPr lang="en-US" smtClean="0"/>
-              <a:t>5/19/21</a:t>
+              <a:t>5/25/21</a:t>
             </a:fld>
             <a:endParaRPr lang="en-US" dirty="0"/>
           </a:p>
@@ -2721,7 +2742,7 @@
           <a:p>
             <a:fld id="{921D9284-D300-4297-87F7-E791DCC15DB1}" type="datetimeFigureOut">
               <a:rPr lang="en-US" smtClean="0"/>
-              <a:t>5/19/21</a:t>
+              <a:t>5/25/21</a:t>
             </a:fld>
             <a:endParaRPr lang="en-US" dirty="0"/>
           </a:p>
@@ -3070,7 +3091,7 @@
           <a:p>
             <a:fld id="{37D525BB-DA17-4BA0-B3C8-3AC3ABC827E6}" type="datetimeFigureOut">
               <a:rPr lang="en-US" smtClean="0"/>
-              <a:t>5/19/21</a:t>
+              <a:t>5/25/21</a:t>
             </a:fld>
             <a:endParaRPr lang="en-US" dirty="0"/>
           </a:p>
@@ -3464,7 +3485,7 @@
           <a:p>
             <a:fld id="{B16C4C9A-3960-41CF-A4E9-2A8FB932454B}" type="datetimeFigureOut">
               <a:rPr lang="en-US" smtClean="0"/>
-              <a:t>5/19/21</a:t>
+              <a:t>5/25/21</a:t>
             </a:fld>
             <a:endParaRPr lang="en-US" dirty="0"/>
           </a:p>
@@ -3777,7 +3798,7 @@
           <a:p>
             <a:fld id="{3CBC1C18-307B-4F68-A007-B5B542270E8D}" type="datetimeFigureOut">
               <a:rPr lang="en-US" smtClean="0"/>
-              <a:t>5/19/21</a:t>
+              <a:t>5/25/21</a:t>
             </a:fld>
             <a:endParaRPr lang="en-US" dirty="0"/>
           </a:p>
@@ -4266,6 +4287,14 @@
 <file path=ppt/slides/slide1.xml><?xml version="1.0" encoding="utf-8"?>
 <p:sld xmlns:a="http://schemas.openxmlformats.org/drawingml/2006/main" xmlns:r="http://schemas.openxmlformats.org/officeDocument/2006/relationships" xmlns:p="http://schemas.openxmlformats.org/presentationml/2006/main">
   <p:cSld>
+    <p:bg>
+      <p:bgPr>
+        <a:solidFill>
+          <a:schemeClr val="bg2"/>
+        </a:solidFill>
+        <a:effectLst/>
+      </p:bgPr>
+    </p:bg>
     <p:spTree>
       <p:nvGrpSpPr>
         <p:cNvPr id="1" name=""/>
@@ -4280,6 +4309,326 @@
           <a:chExt cx="0" cy="0"/>
         </a:xfrm>
       </p:grpSpPr>
+      <p:sp useBgFill="1">
+        <p:nvSpPr>
+          <p:cNvPr id="21" name="Rectangle 20">
+            <a:extLst>
+              <a:ext uri="{FF2B5EF4-FFF2-40B4-BE49-F238E27FC236}">
+                <a16:creationId xmlns:a16="http://schemas.microsoft.com/office/drawing/2014/main" id="{6995F625-BE4F-4433-8290-5DF0E8589F50}"/>
+              </a:ext>
+              <a:ext uri="{C183D7F6-B498-43B3-948B-1728B52AA6E4}">
+                <adec:decorative xmlns:adec="http://schemas.microsoft.com/office/drawing/2017/decorative" val="1"/>
+              </a:ext>
+            </a:extLst>
+          </p:cNvPr>
+          <p:cNvSpPr>
+            <a:spLocks noGrp="1" noRot="1" noChangeAspect="1" noMove="1" noResize="1" noEditPoints="1" noAdjustHandles="1" noChangeArrowheads="1" noChangeShapeType="1" noTextEdit="1"/>
+          </p:cNvSpPr>
+          <p:nvPr>
+            <p:extLst>
+              <p:ext uri="{386F3935-93C4-4BCD-93E2-E3B085C9AB24}">
+                <p16:designElem xmlns:p16="http://schemas.microsoft.com/office/powerpoint/2015/main" val="1"/>
+              </p:ext>
+            </p:extLst>
+          </p:nvPr>
+        </p:nvSpPr>
+        <p:spPr>
+          <a:xfrm>
+            <a:off x="0" y="0"/>
+            <a:ext cx="12192001" cy="6858000"/>
+          </a:xfrm>
+          <a:prstGeom prst="rect">
+            <a:avLst/>
+          </a:prstGeom>
+          <a:ln>
+            <a:noFill/>
+          </a:ln>
+        </p:spPr>
+        <p:style>
+          <a:lnRef idx="2">
+            <a:schemeClr val="accent1">
+              <a:shade val="50000"/>
+            </a:schemeClr>
+          </a:lnRef>
+          <a:fillRef idx="1">
+            <a:schemeClr val="accent1"/>
+          </a:fillRef>
+          <a:effectRef idx="0">
+            <a:schemeClr val="accent1"/>
+          </a:effectRef>
+          <a:fontRef idx="minor">
+            <a:schemeClr val="lt1"/>
+          </a:fontRef>
+        </p:style>
+        <p:txBody>
+          <a:bodyPr rot="0" spcFirstLastPara="0" vert="horz" wrap="square" lIns="91440" tIns="45720" rIns="91440" bIns="45720" numCol="1" spcCol="0" rtlCol="0" fromWordArt="0" anchor="ctr" anchorCtr="0" forceAA="0" compatLnSpc="1">
+            <a:prstTxWarp prst="textNoShape">
+              <a:avLst/>
+            </a:prstTxWarp>
+            <a:noAutofit/>
+          </a:bodyPr>
+          <a:lstStyle>
+            <a:defPPr>
+              <a:defRPr lang="en-US"/>
+            </a:defPPr>
+            <a:lvl1pPr marL="0" algn="l" defTabSz="914400" rtl="0" eaLnBrk="1" latinLnBrk="0" hangingPunct="1">
+              <a:defRPr sz="1800" kern="1200">
+                <a:solidFill>
+                  <a:schemeClr val="lt1"/>
+                </a:solidFill>
+                <a:latin typeface="+mn-lt"/>
+                <a:ea typeface="+mn-ea"/>
+                <a:cs typeface="+mn-cs"/>
+              </a:defRPr>
+            </a:lvl1pPr>
+            <a:lvl2pPr marL="457200" algn="l" defTabSz="914400" rtl="0" eaLnBrk="1" latinLnBrk="0" hangingPunct="1">
+              <a:defRPr sz="1800" kern="1200">
+                <a:solidFill>
+                  <a:schemeClr val="lt1"/>
+                </a:solidFill>
+                <a:latin typeface="+mn-lt"/>
+                <a:ea typeface="+mn-ea"/>
+                <a:cs typeface="+mn-cs"/>
+              </a:defRPr>
+            </a:lvl2pPr>
+            <a:lvl3pPr marL="914400" algn="l" defTabSz="914400" rtl="0" eaLnBrk="1" latinLnBrk="0" hangingPunct="1">
+              <a:defRPr sz="1800" kern="1200">
+                <a:solidFill>
+                  <a:schemeClr val="lt1"/>
+                </a:solidFill>
+                <a:latin typeface="+mn-lt"/>
+                <a:ea typeface="+mn-ea"/>
+                <a:cs typeface="+mn-cs"/>
+              </a:defRPr>
+            </a:lvl3pPr>
+            <a:lvl4pPr marL="1371600" algn="l" defTabSz="914400" rtl="0" eaLnBrk="1" latinLnBrk="0" hangingPunct="1">
+              <a:defRPr sz="1800" kern="1200">
+                <a:solidFill>
+                  <a:schemeClr val="lt1"/>
+                </a:solidFill>
+                <a:latin typeface="+mn-lt"/>
+                <a:ea typeface="+mn-ea"/>
+                <a:cs typeface="+mn-cs"/>
+              </a:defRPr>
+            </a:lvl4pPr>
+            <a:lvl5pPr marL="1828800" algn="l" defTabSz="914400" rtl="0" eaLnBrk="1" latinLnBrk="0" hangingPunct="1">
+              <a:defRPr sz="1800" kern="1200">
+                <a:solidFill>
+                  <a:schemeClr val="lt1"/>
+                </a:solidFill>
+                <a:latin typeface="+mn-lt"/>
+                <a:ea typeface="+mn-ea"/>
+                <a:cs typeface="+mn-cs"/>
+              </a:defRPr>
+            </a:lvl5pPr>
+            <a:lvl6pPr marL="2286000" algn="l" defTabSz="914400" rtl="0" eaLnBrk="1" latinLnBrk="0" hangingPunct="1">
+              <a:defRPr sz="1800" kern="1200">
+                <a:solidFill>
+                  <a:schemeClr val="lt1"/>
+                </a:solidFill>
+                <a:latin typeface="+mn-lt"/>
+                <a:ea typeface="+mn-ea"/>
+                <a:cs typeface="+mn-cs"/>
+              </a:defRPr>
+            </a:lvl6pPr>
+            <a:lvl7pPr marL="2743200" algn="l" defTabSz="914400" rtl="0" eaLnBrk="1" latinLnBrk="0" hangingPunct="1">
+              <a:defRPr sz="1800" kern="1200">
+                <a:solidFill>
+                  <a:schemeClr val="lt1"/>
+                </a:solidFill>
+                <a:latin typeface="+mn-lt"/>
+                <a:ea typeface="+mn-ea"/>
+                <a:cs typeface="+mn-cs"/>
+              </a:defRPr>
+            </a:lvl7pPr>
+            <a:lvl8pPr marL="3200400" algn="l" defTabSz="914400" rtl="0" eaLnBrk="1" latinLnBrk="0" hangingPunct="1">
+              <a:defRPr sz="1800" kern="1200">
+                <a:solidFill>
+                  <a:schemeClr val="lt1"/>
+                </a:solidFill>
+                <a:latin typeface="+mn-lt"/>
+                <a:ea typeface="+mn-ea"/>
+                <a:cs typeface="+mn-cs"/>
+              </a:defRPr>
+            </a:lvl8pPr>
+            <a:lvl9pPr marL="3657600" algn="l" defTabSz="914400" rtl="0" eaLnBrk="1" latinLnBrk="0" hangingPunct="1">
+              <a:defRPr sz="1800" kern="1200">
+                <a:solidFill>
+                  <a:schemeClr val="lt1"/>
+                </a:solidFill>
+                <a:latin typeface="+mn-lt"/>
+                <a:ea typeface="+mn-ea"/>
+                <a:cs typeface="+mn-cs"/>
+              </a:defRPr>
+            </a:lvl9pPr>
+          </a:lstStyle>
+          <a:p>
+            <a:pPr algn="ctr"/>
+            <a:endParaRPr lang="en-US"/>
+          </a:p>
+        </p:txBody>
+      </p:sp>
+      <p:sp>
+        <p:nvSpPr>
+          <p:cNvPr id="23" name="Rectangle 22">
+            <a:extLst>
+              <a:ext uri="{FF2B5EF4-FFF2-40B4-BE49-F238E27FC236}">
+                <a16:creationId xmlns:a16="http://schemas.microsoft.com/office/drawing/2014/main" id="{E836677E-F83B-4FAB-8095-8700763077D8}"/>
+              </a:ext>
+              <a:ext uri="{C183D7F6-B498-43B3-948B-1728B52AA6E4}">
+                <adec:decorative xmlns:adec="http://schemas.microsoft.com/office/drawing/2017/decorative" val="1"/>
+              </a:ext>
+            </a:extLst>
+          </p:cNvPr>
+          <p:cNvSpPr>
+            <a:spLocks noGrp="1" noRot="1" noChangeAspect="1" noMove="1" noResize="1" noEditPoints="1" noAdjustHandles="1" noChangeArrowheads="1" noChangeShapeType="1" noTextEdit="1"/>
+          </p:cNvSpPr>
+          <p:nvPr>
+            <p:extLst>
+              <p:ext uri="{386F3935-93C4-4BCD-93E2-E3B085C9AB24}">
+                <p16:designElem xmlns:p16="http://schemas.microsoft.com/office/powerpoint/2015/main" val="1"/>
+              </p:ext>
+            </p:extLst>
+          </p:nvPr>
+        </p:nvSpPr>
+        <p:spPr>
+          <a:xfrm>
+            <a:off x="0" y="0"/>
+            <a:ext cx="12192000" cy="6858000"/>
+          </a:xfrm>
+          <a:prstGeom prst="rect">
+            <a:avLst/>
+          </a:prstGeom>
+          <a:blipFill dpi="0" rotWithShape="1">
+            <a:blip r:embed="rId2">
+              <a:alphaModFix amt="40000"/>
+              <a:duotone>
+                <a:schemeClr val="accent1">
+                  <a:shade val="45000"/>
+                  <a:satMod val="135000"/>
+                </a:schemeClr>
+                <a:prstClr val="white"/>
+              </a:duotone>
+            </a:blip>
+            <a:srcRect/>
+            <a:tile tx="-133350" ty="330200" sx="85000" sy="85000" flip="xy" algn="tl"/>
+          </a:blipFill>
+          <a:ln>
+            <a:noFill/>
+          </a:ln>
+        </p:spPr>
+        <p:style>
+          <a:lnRef idx="2">
+            <a:schemeClr val="accent1">
+              <a:shade val="50000"/>
+            </a:schemeClr>
+          </a:lnRef>
+          <a:fillRef idx="1">
+            <a:schemeClr val="accent1"/>
+          </a:fillRef>
+          <a:effectRef idx="0">
+            <a:schemeClr val="accent1"/>
+          </a:effectRef>
+          <a:fontRef idx="minor">
+            <a:schemeClr val="lt1"/>
+          </a:fontRef>
+        </p:style>
+      </p:sp>
+      <p:sp>
+        <p:nvSpPr>
+          <p:cNvPr id="25" name="Rectangle 24">
+            <a:extLst>
+              <a:ext uri="{FF2B5EF4-FFF2-40B4-BE49-F238E27FC236}">
+                <a16:creationId xmlns:a16="http://schemas.microsoft.com/office/drawing/2014/main" id="{655E224A-5F26-423E-949C-07A720F39A44}"/>
+              </a:ext>
+              <a:ext uri="{C183D7F6-B498-43B3-948B-1728B52AA6E4}">
+                <adec:decorative xmlns:adec="http://schemas.microsoft.com/office/drawing/2017/decorative" val="1"/>
+              </a:ext>
+            </a:extLst>
+          </p:cNvPr>
+          <p:cNvSpPr>
+            <a:spLocks noGrp="1" noRot="1" noChangeAspect="1" noMove="1" noResize="1" noEditPoints="1" noAdjustHandles="1" noChangeArrowheads="1" noChangeShapeType="1" noTextEdit="1"/>
+          </p:cNvSpPr>
+          <p:nvPr>
+            <p:extLst>
+              <p:ext uri="{386F3935-93C4-4BCD-93E2-E3B085C9AB24}">
+                <p16:designElem xmlns:p16="http://schemas.microsoft.com/office/powerpoint/2015/main" val="1"/>
+              </p:ext>
+            </p:extLst>
+          </p:nvPr>
+        </p:nvSpPr>
+        <p:spPr>
+          <a:xfrm>
+            <a:off x="632108" y="610955"/>
+            <a:ext cx="10927784" cy="5636090"/>
+          </a:xfrm>
+          <a:prstGeom prst="rect">
+            <a:avLst/>
+          </a:prstGeom>
+          <a:solidFill>
+            <a:schemeClr val="bg1"/>
+          </a:solidFill>
+          <a:ln w="6350" cap="flat" cmpd="sng" algn="ctr">
+            <a:noFill/>
+            <a:prstDash val="solid"/>
+          </a:ln>
+          <a:effectLst>
+            <a:outerShdw blurRad="50800" algn="ctr" rotWithShape="0">
+              <a:prstClr val="black">
+                <a:alpha val="66000"/>
+              </a:prstClr>
+            </a:outerShdw>
+            <a:softEdge rad="0"/>
+          </a:effectLst>
+        </p:spPr>
+      </p:sp>
+      <p:sp>
+        <p:nvSpPr>
+          <p:cNvPr id="27" name="Rectangle 26">
+            <a:extLst>
+              <a:ext uri="{FF2B5EF4-FFF2-40B4-BE49-F238E27FC236}">
+                <a16:creationId xmlns:a16="http://schemas.microsoft.com/office/drawing/2014/main" id="{A6F1DA18-4CA4-40CF-9ACA-105D8373B672}"/>
+              </a:ext>
+              <a:ext uri="{C183D7F6-B498-43B3-948B-1728B52AA6E4}">
+                <adec:decorative xmlns:adec="http://schemas.microsoft.com/office/drawing/2017/decorative" val="1"/>
+              </a:ext>
+            </a:extLst>
+          </p:cNvPr>
+          <p:cNvSpPr>
+            <a:spLocks noGrp="1" noRot="1" noChangeAspect="1" noMove="1" noResize="1" noEditPoints="1" noAdjustHandles="1" noChangeArrowheads="1" noChangeShapeType="1" noTextEdit="1"/>
+          </p:cNvSpPr>
+          <p:nvPr>
+            <p:extLst>
+              <p:ext uri="{386F3935-93C4-4BCD-93E2-E3B085C9AB24}">
+                <p16:designElem xmlns:p16="http://schemas.microsoft.com/office/powerpoint/2015/main" val="1"/>
+              </p:ext>
+            </p:extLst>
+          </p:nvPr>
+        </p:nvSpPr>
+        <p:spPr>
+          <a:xfrm>
+            <a:off x="797052" y="777240"/>
+            <a:ext cx="10597896" cy="5303520"/>
+          </a:xfrm>
+          <a:prstGeom prst="rect">
+            <a:avLst/>
+          </a:prstGeom>
+          <a:solidFill>
+            <a:schemeClr val="bg1"/>
+          </a:solidFill>
+          <a:ln w="6350" cap="sq" cmpd="sng" algn="ctr">
+            <a:solidFill>
+              <a:schemeClr val="tx1">
+                <a:lumMod val="75000"/>
+                <a:lumOff val="25000"/>
+              </a:schemeClr>
+            </a:solidFill>
+            <a:prstDash val="solid"/>
+            <a:miter lim="800000"/>
+          </a:ln>
+          <a:effectLst/>
+        </p:spPr>
+      </p:sp>
       <p:sp>
         <p:nvSpPr>
           <p:cNvPr id="2" name="Title 1">
@@ -4296,23 +4645,23 @@
             <p:ph type="ctrTitle"/>
           </p:nvPr>
         </p:nvSpPr>
-        <p:spPr/>
-        <p:txBody>
-          <a:bodyPr>
-            <a:normAutofit fontScale="90000"/>
+        <p:spPr>
+          <a:xfrm>
+            <a:off x="1260205" y="1887795"/>
+            <a:ext cx="9673306" cy="2733106"/>
+          </a:xfrm>
+        </p:spPr>
+        <p:txBody>
+          <a:bodyPr anchor="ctr">
+            <a:normAutofit/>
           </a:bodyPr>
           <a:lstStyle/>
           <a:p>
             <a:r>
-              <a:rPr lang="en-AU" dirty="0"/>
-              <a:t>~~DRAFT~~</a:t>
-            </a:r>
-            <a:br>
-              <a:rPr lang="en-AU" dirty="0"/>
-            </a:br>
-            <a:r>
-              <a:rPr lang="en-AU" dirty="0"/>
-              <a:t>Adv. Topics Presentation</a:t>
+              <a:rPr lang="en-AU" sz="5000" dirty="0">
+                <a:latin typeface="+mn-lt"/>
+              </a:rPr>
+              <a:t>Weakly-supervised person name transliteration trained on Twitter data</a:t>
             </a:r>
           </a:p>
         </p:txBody>
@@ -4333,22 +4682,1135 @@
             <p:ph type="subTitle" idx="1"/>
           </p:nvPr>
         </p:nvSpPr>
-        <p:spPr/>
-        <p:txBody>
-          <a:bodyPr/>
+        <p:spPr>
+          <a:xfrm>
+            <a:off x="1260204" y="4718994"/>
+            <a:ext cx="9673306" cy="913322"/>
+          </a:xfrm>
+        </p:spPr>
+        <p:txBody>
+          <a:bodyPr>
+            <a:normAutofit/>
+          </a:bodyPr>
           <a:lstStyle/>
           <a:p>
-            <a:r>
-              <a:rPr lang="en-AU" dirty="0"/>
-              <a:t>Greenland Yu</a:t>
-            </a:r>
-          </a:p>
-        </p:txBody>
-      </p:sp>
+            <a:pPr>
+              <a:spcAft>
+                <a:spcPts val="600"/>
+              </a:spcAft>
+            </a:pPr>
+            <a:endParaRPr lang="en-AU" sz="2000" dirty="0"/>
+          </a:p>
+        </p:txBody>
+      </p:sp>
+      <p:sp>
+        <p:nvSpPr>
+          <p:cNvPr id="29" name="Rectangle 28">
+            <a:extLst>
+              <a:ext uri="{FF2B5EF4-FFF2-40B4-BE49-F238E27FC236}">
+                <a16:creationId xmlns:a16="http://schemas.microsoft.com/office/drawing/2014/main" id="{7C6D1B74-744B-4231-97DB-86B4C9C5E2D3}"/>
+              </a:ext>
+              <a:ext uri="{C183D7F6-B498-43B3-948B-1728B52AA6E4}">
+                <adec:decorative xmlns:adec="http://schemas.microsoft.com/office/drawing/2017/decorative" val="1"/>
+              </a:ext>
+            </a:extLst>
+          </p:cNvPr>
+          <p:cNvSpPr>
+            <a:spLocks noGrp="1" noRot="1" noChangeAspect="1" noMove="1" noResize="1" noEditPoints="1" noAdjustHandles="1" noChangeArrowheads="1" noChangeShapeType="1" noTextEdit="1"/>
+          </p:cNvSpPr>
+          <p:nvPr>
+            <p:extLst>
+              <p:ext uri="{386F3935-93C4-4BCD-93E2-E3B085C9AB24}">
+                <p16:designElem xmlns:p16="http://schemas.microsoft.com/office/powerpoint/2015/main" val="1"/>
+              </p:ext>
+            </p:extLst>
+          </p:nvPr>
+        </p:nvSpPr>
+        <p:spPr>
+          <a:xfrm>
+            <a:off x="5135880" y="610955"/>
+            <a:ext cx="1920240" cy="731520"/>
+          </a:xfrm>
+          <a:prstGeom prst="rect">
+            <a:avLst/>
+          </a:prstGeom>
+          <a:solidFill>
+            <a:schemeClr val="accent1"/>
+          </a:solidFill>
+          <a:ln>
+            <a:noFill/>
+          </a:ln>
+        </p:spPr>
+        <p:style>
+          <a:lnRef idx="2">
+            <a:schemeClr val="accent1">
+              <a:shade val="50000"/>
+            </a:schemeClr>
+          </a:lnRef>
+          <a:fillRef idx="1">
+            <a:schemeClr val="accent1"/>
+          </a:fillRef>
+          <a:effectRef idx="0">
+            <a:schemeClr val="accent1"/>
+          </a:effectRef>
+          <a:fontRef idx="minor">
+            <a:schemeClr val="lt1"/>
+          </a:fontRef>
+        </p:style>
+      </p:sp>
+      <p:cxnSp>
+        <p:nvCxnSpPr>
+          <p:cNvPr id="31" name="Straight Connector 30">
+            <a:extLst>
+              <a:ext uri="{FF2B5EF4-FFF2-40B4-BE49-F238E27FC236}">
+                <a16:creationId xmlns:a16="http://schemas.microsoft.com/office/drawing/2014/main" id="{ABC98C72-9EDD-4426-B45A-84E06A7CD22F}"/>
+              </a:ext>
+              <a:ext uri="{C183D7F6-B498-43B3-948B-1728B52AA6E4}">
+                <adec:decorative xmlns:adec="http://schemas.microsoft.com/office/drawing/2017/decorative" val="1"/>
+              </a:ext>
+            </a:extLst>
+          </p:cNvPr>
+          <p:cNvCxnSpPr>
+            <a:cxnSpLocks noGrp="1" noRot="1" noChangeAspect="1" noMove="1" noResize="1" noEditPoints="1" noAdjustHandles="1" noChangeArrowheads="1" noChangeShapeType="1"/>
+          </p:cNvCxnSpPr>
+          <p:nvPr>
+            <p:extLst>
+              <p:ext uri="{386F3935-93C4-4BCD-93E2-E3B085C9AB24}">
+                <p16:designElem xmlns:p16="http://schemas.microsoft.com/office/powerpoint/2015/main" val="1"/>
+              </p:ext>
+            </p:extLst>
+          </p:nvPr>
+        </p:nvCxnSpPr>
+        <p:spPr>
+          <a:xfrm>
+            <a:off x="5250180" y="611442"/>
+            <a:ext cx="0" cy="640080"/>
+          </a:xfrm>
+          <a:prstGeom prst="line">
+            <a:avLst/>
+          </a:prstGeom>
+          <a:solidFill>
+            <a:schemeClr val="tx1">
+              <a:lumMod val="85000"/>
+              <a:lumOff val="15000"/>
+            </a:schemeClr>
+          </a:solidFill>
+          <a:ln>
+            <a:solidFill>
+              <a:schemeClr val="tx1">
+                <a:lumMod val="75000"/>
+                <a:lumOff val="25000"/>
+              </a:schemeClr>
+            </a:solidFill>
+            <a:miter lim="800000"/>
+          </a:ln>
+        </p:spPr>
+        <p:style>
+          <a:lnRef idx="1">
+            <a:schemeClr val="accent1"/>
+          </a:lnRef>
+          <a:fillRef idx="0">
+            <a:schemeClr val="accent1"/>
+          </a:fillRef>
+          <a:effectRef idx="0">
+            <a:schemeClr val="accent1"/>
+          </a:effectRef>
+          <a:fontRef idx="minor">
+            <a:schemeClr val="tx1"/>
+          </a:fontRef>
+        </p:style>
+      </p:cxnSp>
+      <p:cxnSp>
+        <p:nvCxnSpPr>
+          <p:cNvPr id="33" name="Straight Connector 32">
+            <a:extLst>
+              <a:ext uri="{FF2B5EF4-FFF2-40B4-BE49-F238E27FC236}">
+                <a16:creationId xmlns:a16="http://schemas.microsoft.com/office/drawing/2014/main" id="{44887186-EE44-4AD3-BEFE-3478B4537191}"/>
+              </a:ext>
+              <a:ext uri="{C183D7F6-B498-43B3-948B-1728B52AA6E4}">
+                <adec:decorative xmlns:adec="http://schemas.microsoft.com/office/drawing/2017/decorative" val="1"/>
+              </a:ext>
+            </a:extLst>
+          </p:cNvPr>
+          <p:cNvCxnSpPr>
+            <a:cxnSpLocks noGrp="1" noRot="1" noChangeAspect="1" noMove="1" noResize="1" noEditPoints="1" noAdjustHandles="1" noChangeArrowheads="1" noChangeShapeType="1"/>
+          </p:cNvCxnSpPr>
+          <p:nvPr>
+            <p:extLst>
+              <p:ext uri="{386F3935-93C4-4BCD-93E2-E3B085C9AB24}">
+                <p16:designElem xmlns:p16="http://schemas.microsoft.com/office/powerpoint/2015/main" val="1"/>
+              </p:ext>
+            </p:extLst>
+          </p:nvPr>
+        </p:nvCxnSpPr>
+        <p:spPr>
+          <a:xfrm>
+            <a:off x="6941820" y="611442"/>
+            <a:ext cx="0" cy="640080"/>
+          </a:xfrm>
+          <a:prstGeom prst="line">
+            <a:avLst/>
+          </a:prstGeom>
+          <a:solidFill>
+            <a:schemeClr val="tx1">
+              <a:lumMod val="85000"/>
+              <a:lumOff val="15000"/>
+            </a:schemeClr>
+          </a:solidFill>
+          <a:ln>
+            <a:solidFill>
+              <a:schemeClr val="tx1">
+                <a:lumMod val="75000"/>
+                <a:lumOff val="25000"/>
+              </a:schemeClr>
+            </a:solidFill>
+            <a:miter lim="800000"/>
+          </a:ln>
+        </p:spPr>
+        <p:style>
+          <a:lnRef idx="1">
+            <a:schemeClr val="accent1"/>
+          </a:lnRef>
+          <a:fillRef idx="0">
+            <a:schemeClr val="accent1"/>
+          </a:fillRef>
+          <a:effectRef idx="0">
+            <a:schemeClr val="accent1"/>
+          </a:effectRef>
+          <a:fontRef idx="minor">
+            <a:schemeClr val="tx1"/>
+          </a:fontRef>
+        </p:style>
+      </p:cxnSp>
+      <p:cxnSp>
+        <p:nvCxnSpPr>
+          <p:cNvPr id="35" name="Straight Connector 34">
+            <a:extLst>
+              <a:ext uri="{FF2B5EF4-FFF2-40B4-BE49-F238E27FC236}">
+                <a16:creationId xmlns:a16="http://schemas.microsoft.com/office/drawing/2014/main" id="{58EECC4E-F1C0-4C09-A7FD-4D623DACCC4F}"/>
+              </a:ext>
+              <a:ext uri="{C183D7F6-B498-43B3-948B-1728B52AA6E4}">
+                <adec:decorative xmlns:adec="http://schemas.microsoft.com/office/drawing/2017/decorative" val="1"/>
+              </a:ext>
+            </a:extLst>
+          </p:cNvPr>
+          <p:cNvCxnSpPr>
+            <a:cxnSpLocks noGrp="1" noRot="1" noChangeAspect="1" noMove="1" noResize="1" noEditPoints="1" noAdjustHandles="1" noChangeArrowheads="1" noChangeShapeType="1"/>
+          </p:cNvCxnSpPr>
+          <p:nvPr>
+            <p:extLst>
+              <p:ext uri="{386F3935-93C4-4BCD-93E2-E3B085C9AB24}">
+                <p16:designElem xmlns:p16="http://schemas.microsoft.com/office/powerpoint/2015/main" val="1"/>
+              </p:ext>
+            </p:extLst>
+          </p:nvPr>
+        </p:nvCxnSpPr>
+        <p:spPr>
+          <a:xfrm>
+            <a:off x="5250180" y="1244380"/>
+            <a:ext cx="1691640" cy="0"/>
+          </a:xfrm>
+          <a:prstGeom prst="line">
+            <a:avLst/>
+          </a:prstGeom>
+          <a:solidFill>
+            <a:schemeClr val="tx1">
+              <a:lumMod val="85000"/>
+              <a:lumOff val="15000"/>
+            </a:schemeClr>
+          </a:solidFill>
+          <a:ln>
+            <a:solidFill>
+              <a:schemeClr val="tx1">
+                <a:lumMod val="75000"/>
+                <a:lumOff val="25000"/>
+              </a:schemeClr>
+            </a:solidFill>
+            <a:miter lim="800000"/>
+          </a:ln>
+        </p:spPr>
+        <p:style>
+          <a:lnRef idx="1">
+            <a:schemeClr val="accent1"/>
+          </a:lnRef>
+          <a:fillRef idx="0">
+            <a:schemeClr val="accent1"/>
+          </a:fillRef>
+          <a:effectRef idx="0">
+            <a:schemeClr val="accent1"/>
+          </a:effectRef>
+          <a:fontRef idx="minor">
+            <a:schemeClr val="tx1"/>
+          </a:fontRef>
+        </p:style>
+      </p:cxnSp>
     </p:spTree>
     <p:extLst>
       <p:ext uri="{BB962C8B-B14F-4D97-AF65-F5344CB8AC3E}">
         <p14:creationId xmlns:p14="http://schemas.microsoft.com/office/powerpoint/2010/main" val="3375326768"/>
+      </p:ext>
+    </p:extLst>
+  </p:cSld>
+  <p:clrMapOvr>
+    <a:masterClrMapping/>
+  </p:clrMapOvr>
+</p:sld>
+</file>
+
+<file path=ppt/slides/slide10.xml><?xml version="1.0" encoding="utf-8"?>
+<p:sld xmlns:a="http://schemas.openxmlformats.org/drawingml/2006/main" xmlns:r="http://schemas.openxmlformats.org/officeDocument/2006/relationships" xmlns:p="http://schemas.openxmlformats.org/presentationml/2006/main">
+  <p:cSld>
+    <p:spTree>
+      <p:nvGrpSpPr>
+        <p:cNvPr id="1" name=""/>
+        <p:cNvGrpSpPr/>
+        <p:nvPr/>
+      </p:nvGrpSpPr>
+      <p:grpSpPr>
+        <a:xfrm>
+          <a:off x="0" y="0"/>
+          <a:ext cx="0" cy="0"/>
+          <a:chOff x="0" y="0"/>
+          <a:chExt cx="0" cy="0"/>
+        </a:xfrm>
+      </p:grpSpPr>
+      <p:sp>
+        <p:nvSpPr>
+          <p:cNvPr id="2" name="Title 1">
+            <a:extLst>
+              <a:ext uri="{FF2B5EF4-FFF2-40B4-BE49-F238E27FC236}">
+                <a16:creationId xmlns:a16="http://schemas.microsoft.com/office/drawing/2014/main" id="{B05D4CFA-367E-9847-A274-4B8DADB5C473}"/>
+              </a:ext>
+            </a:extLst>
+          </p:cNvPr>
+          <p:cNvSpPr>
+            <a:spLocks noGrp="1"/>
+          </p:cNvSpPr>
+          <p:nvPr>
+            <p:ph type="title"/>
+          </p:nvPr>
+        </p:nvSpPr>
+        <p:spPr/>
+        <p:txBody>
+          <a:bodyPr/>
+          <a:lstStyle/>
+          <a:p>
+            <a:pPr algn="ctr"/>
+            <a:r>
+              <a:rPr lang="en-AU" dirty="0"/>
+              <a:t>Evaluation cont.</a:t>
+            </a:r>
+          </a:p>
+        </p:txBody>
+      </p:sp>
+      <p:sp>
+        <p:nvSpPr>
+          <p:cNvPr id="3" name="Content Placeholder 2">
+            <a:extLst>
+              <a:ext uri="{FF2B5EF4-FFF2-40B4-BE49-F238E27FC236}">
+                <a16:creationId xmlns:a16="http://schemas.microsoft.com/office/drawing/2014/main" id="{337A3851-7180-6641-9EF8-2CF7BC21CA28}"/>
+              </a:ext>
+            </a:extLst>
+          </p:cNvPr>
+          <p:cNvSpPr>
+            <a:spLocks noGrp="1"/>
+          </p:cNvSpPr>
+          <p:nvPr>
+            <p:ph idx="1"/>
+          </p:nvPr>
+        </p:nvSpPr>
+        <p:spPr/>
+        <p:txBody>
+          <a:bodyPr/>
+          <a:lstStyle/>
+          <a:p>
+            <a:r>
+              <a:rPr lang="en-AU" dirty="0"/>
+              <a:t>Also did a few sanity checks by comparing against Google translate, also a Neural Machine Translation system</a:t>
+            </a:r>
+          </a:p>
+        </p:txBody>
+      </p:sp>
+      <p:pic>
+        <p:nvPicPr>
+          <p:cNvPr id="4" name="Picture 3">
+            <a:extLst>
+              <a:ext uri="{FF2B5EF4-FFF2-40B4-BE49-F238E27FC236}">
+                <a16:creationId xmlns:a16="http://schemas.microsoft.com/office/drawing/2014/main" id="{A0A08F30-F738-8944-A0D9-387F1E9D12F0}"/>
+              </a:ext>
+            </a:extLst>
+          </p:cNvPr>
+          <p:cNvPicPr>
+            <a:picLocks noChangeAspect="1"/>
+          </p:cNvPicPr>
+          <p:nvPr/>
+        </p:nvPicPr>
+        <p:blipFill rotWithShape="1">
+          <a:blip r:embed="rId2"/>
+          <a:srcRect t="-2344" r="64904"/>
+          <a:stretch/>
+        </p:blipFill>
+        <p:spPr>
+          <a:xfrm>
+            <a:off x="1066800" y="3008114"/>
+            <a:ext cx="3708400" cy="853477"/>
+          </a:xfrm>
+          <a:prstGeom prst="rect">
+            <a:avLst/>
+          </a:prstGeom>
+        </p:spPr>
+      </p:pic>
+      <p:pic>
+        <p:nvPicPr>
+          <p:cNvPr id="5" name="Picture 4">
+            <a:extLst>
+              <a:ext uri="{FF2B5EF4-FFF2-40B4-BE49-F238E27FC236}">
+                <a16:creationId xmlns:a16="http://schemas.microsoft.com/office/drawing/2014/main" id="{DE19094F-3E37-304D-9260-10A636DD9DE4}"/>
+              </a:ext>
+            </a:extLst>
+          </p:cNvPr>
+          <p:cNvPicPr>
+            <a:picLocks noChangeAspect="1"/>
+          </p:cNvPicPr>
+          <p:nvPr/>
+        </p:nvPicPr>
+        <p:blipFill rotWithShape="1">
+          <a:blip r:embed="rId3"/>
+          <a:srcRect r="31536"/>
+          <a:stretch/>
+        </p:blipFill>
+        <p:spPr>
+          <a:xfrm>
+            <a:off x="1066800" y="3861591"/>
+            <a:ext cx="3708400" cy="2349894"/>
+          </a:xfrm>
+          <a:prstGeom prst="rect">
+            <a:avLst/>
+          </a:prstGeom>
+        </p:spPr>
+      </p:pic>
+      <p:pic>
+        <p:nvPicPr>
+          <p:cNvPr id="6" name="Picture 5">
+            <a:extLst>
+              <a:ext uri="{FF2B5EF4-FFF2-40B4-BE49-F238E27FC236}">
+                <a16:creationId xmlns:a16="http://schemas.microsoft.com/office/drawing/2014/main" id="{CC62EE7C-F50D-D149-B1D4-AE683D0F7B36}"/>
+              </a:ext>
+            </a:extLst>
+          </p:cNvPr>
+          <p:cNvPicPr>
+            <a:picLocks noChangeAspect="1"/>
+          </p:cNvPicPr>
+          <p:nvPr/>
+        </p:nvPicPr>
+        <p:blipFill rotWithShape="1">
+          <a:blip r:embed="rId4"/>
+          <a:srcRect l="6609" r="30460" b="-2845"/>
+          <a:stretch/>
+        </p:blipFill>
+        <p:spPr>
+          <a:xfrm>
+            <a:off x="6096000" y="2992488"/>
+            <a:ext cx="3708401" cy="873024"/>
+          </a:xfrm>
+          <a:prstGeom prst="rect">
+            <a:avLst/>
+          </a:prstGeom>
+        </p:spPr>
+      </p:pic>
+      <p:pic>
+        <p:nvPicPr>
+          <p:cNvPr id="7" name="Picture 6">
+            <a:extLst>
+              <a:ext uri="{FF2B5EF4-FFF2-40B4-BE49-F238E27FC236}">
+                <a16:creationId xmlns:a16="http://schemas.microsoft.com/office/drawing/2014/main" id="{6A73D497-C668-9245-B4AE-E0DE7BA393E6}"/>
+              </a:ext>
+            </a:extLst>
+          </p:cNvPr>
+          <p:cNvPicPr>
+            <a:picLocks noChangeAspect="1"/>
+          </p:cNvPicPr>
+          <p:nvPr/>
+        </p:nvPicPr>
+        <p:blipFill rotWithShape="1">
+          <a:blip r:embed="rId5"/>
+          <a:srcRect r="29355"/>
+          <a:stretch/>
+        </p:blipFill>
+        <p:spPr>
+          <a:xfrm>
+            <a:off x="6096001" y="3861591"/>
+            <a:ext cx="3708400" cy="2347692"/>
+          </a:xfrm>
+          <a:prstGeom prst="rect">
+            <a:avLst/>
+          </a:prstGeom>
+        </p:spPr>
+      </p:pic>
+    </p:spTree>
+    <p:extLst>
+      <p:ext uri="{BB962C8B-B14F-4D97-AF65-F5344CB8AC3E}">
+        <p14:creationId xmlns:p14="http://schemas.microsoft.com/office/powerpoint/2010/main" val="4006095761"/>
+      </p:ext>
+    </p:extLst>
+  </p:cSld>
+  <p:clrMapOvr>
+    <a:masterClrMapping/>
+  </p:clrMapOvr>
+</p:sld>
+</file>
+
+<file path=ppt/slides/slide11.xml><?xml version="1.0" encoding="utf-8"?>
+<p:sld xmlns:a="http://schemas.openxmlformats.org/drawingml/2006/main" xmlns:r="http://schemas.openxmlformats.org/officeDocument/2006/relationships" xmlns:p="http://schemas.openxmlformats.org/presentationml/2006/main">
+  <p:cSld>
+    <p:spTree>
+      <p:nvGrpSpPr>
+        <p:cNvPr id="1" name=""/>
+        <p:cNvGrpSpPr/>
+        <p:nvPr/>
+      </p:nvGrpSpPr>
+      <p:grpSpPr>
+        <a:xfrm>
+          <a:off x="0" y="0"/>
+          <a:ext cx="0" cy="0"/>
+          <a:chOff x="0" y="0"/>
+          <a:chExt cx="0" cy="0"/>
+        </a:xfrm>
+      </p:grpSpPr>
+      <p:sp>
+        <p:nvSpPr>
+          <p:cNvPr id="2" name="Title 1">
+            <a:extLst>
+              <a:ext uri="{FF2B5EF4-FFF2-40B4-BE49-F238E27FC236}">
+                <a16:creationId xmlns:a16="http://schemas.microsoft.com/office/drawing/2014/main" id="{8CA2C54B-8403-3149-B757-5CCB52709875}"/>
+              </a:ext>
+            </a:extLst>
+          </p:cNvPr>
+          <p:cNvSpPr>
+            <a:spLocks noGrp="1"/>
+          </p:cNvSpPr>
+          <p:nvPr>
+            <p:ph type="title"/>
+          </p:nvPr>
+        </p:nvSpPr>
+        <p:spPr/>
+        <p:txBody>
+          <a:bodyPr/>
+          <a:lstStyle/>
+          <a:p>
+            <a:pPr algn="ctr"/>
+            <a:r>
+              <a:rPr lang="en-AU" dirty="0"/>
+              <a:t>The iterative cleanser</a:t>
+            </a:r>
+          </a:p>
+        </p:txBody>
+      </p:sp>
+      <mc:AlternateContent xmlns:mc="http://schemas.openxmlformats.org/markup-compatibility/2006">
+        <mc:Choice xmlns:a14="http://schemas.microsoft.com/office/drawing/2010/main" Requires="a14">
+          <p:sp>
+            <p:nvSpPr>
+              <p:cNvPr id="3" name="Content Placeholder 2">
+                <a:extLst>
+                  <a:ext uri="{FF2B5EF4-FFF2-40B4-BE49-F238E27FC236}">
+                    <a16:creationId xmlns:a16="http://schemas.microsoft.com/office/drawing/2014/main" id="{419776F4-8B25-584A-9797-82CA918C4587}"/>
+                  </a:ext>
+                </a:extLst>
+              </p:cNvPr>
+              <p:cNvSpPr>
+                <a:spLocks noGrp="1"/>
+              </p:cNvSpPr>
+              <p:nvPr>
+                <p:ph idx="1"/>
+              </p:nvPr>
+            </p:nvSpPr>
+            <p:spPr/>
+            <p:txBody>
+              <a:bodyPr/>
+              <a:lstStyle/>
+              <a:p>
+                <a:r>
+                  <a:rPr lang="en-AU" dirty="0"/>
+                  <a:t>After training the model, we essentially have a probability estimator </a:t>
+                </a:r>
+                <a14:m>
+                  <m:oMath xmlns:m="http://schemas.openxmlformats.org/officeDocument/2006/math">
+                    <m:r>
+                      <a:rPr lang="en-AU" b="0" i="1" smtClean="0">
+                        <a:latin typeface="Cambria Math" panose="02040503050406030204" pitchFamily="18" charset="0"/>
+                      </a:rPr>
+                      <m:t>𝑃</m:t>
+                    </m:r>
+                    <m:r>
+                      <a:rPr lang="en-AU" b="0" i="1" smtClean="0">
+                        <a:latin typeface="Cambria Math" panose="02040503050406030204" pitchFamily="18" charset="0"/>
+                      </a:rPr>
+                      <m:t>(</m:t>
+                    </m:r>
+                    <m:sSub>
+                      <m:sSubPr>
+                        <m:ctrlPr>
+                          <a:rPr lang="en-AU" b="0" i="1" smtClean="0">
+                            <a:latin typeface="Cambria Math" panose="02040503050406030204" pitchFamily="18" charset="0"/>
+                          </a:rPr>
+                        </m:ctrlPr>
+                      </m:sSubPr>
+                      <m:e>
+                        <m:r>
+                          <a:rPr lang="en-AU" b="0" i="1" smtClean="0">
+                            <a:latin typeface="Cambria Math" panose="02040503050406030204" pitchFamily="18" charset="0"/>
+                          </a:rPr>
+                          <m:t>𝑦</m:t>
+                        </m:r>
+                      </m:e>
+                      <m:sub>
+                        <m:r>
+                          <a:rPr lang="en-AU" b="0" i="1" smtClean="0">
+                            <a:latin typeface="Cambria Math" panose="02040503050406030204" pitchFamily="18" charset="0"/>
+                          </a:rPr>
+                          <m:t>𝑡</m:t>
+                        </m:r>
+                      </m:sub>
+                    </m:sSub>
+                    <m:r>
+                      <a:rPr lang="en-AU" b="0" i="1" smtClean="0">
+                        <a:latin typeface="Cambria Math" panose="02040503050406030204" pitchFamily="18" charset="0"/>
+                      </a:rPr>
+                      <m:t>|</m:t>
+                    </m:r>
+                    <m:sSub>
+                      <m:sSubPr>
+                        <m:ctrlPr>
+                          <a:rPr lang="en-AU" b="0" i="1" smtClean="0">
+                            <a:latin typeface="Cambria Math" panose="02040503050406030204" pitchFamily="18" charset="0"/>
+                          </a:rPr>
+                        </m:ctrlPr>
+                      </m:sSubPr>
+                      <m:e>
+                        <m:r>
+                          <a:rPr lang="en-AU" b="0" i="1" smtClean="0">
+                            <a:latin typeface="Cambria Math" panose="02040503050406030204" pitchFamily="18" charset="0"/>
+                          </a:rPr>
+                          <m:t>𝑦</m:t>
+                        </m:r>
+                      </m:e>
+                      <m:sub>
+                        <m:r>
+                          <a:rPr lang="en-AU" b="0" i="1" smtClean="0">
+                            <a:latin typeface="Cambria Math" panose="02040503050406030204" pitchFamily="18" charset="0"/>
+                          </a:rPr>
+                          <m:t>0:</m:t>
+                        </m:r>
+                        <m:r>
+                          <a:rPr lang="en-AU" b="0" i="1" smtClean="0">
+                            <a:latin typeface="Cambria Math" panose="02040503050406030204" pitchFamily="18" charset="0"/>
+                          </a:rPr>
+                          <m:t>𝑡</m:t>
+                        </m:r>
+                        <m:r>
+                          <a:rPr lang="en-AU" b="0" i="1" smtClean="0">
+                            <a:latin typeface="Cambria Math" panose="02040503050406030204" pitchFamily="18" charset="0"/>
+                          </a:rPr>
+                          <m:t>−1</m:t>
+                        </m:r>
+                      </m:sub>
+                    </m:sSub>
+                    <m:r>
+                      <a:rPr lang="en-AU" b="0" i="1" smtClean="0">
+                        <a:latin typeface="Cambria Math" panose="02040503050406030204" pitchFamily="18" charset="0"/>
+                      </a:rPr>
+                      <m:t>, </m:t>
+                    </m:r>
+                    <m:r>
+                      <a:rPr lang="en-AU" b="0" i="1" smtClean="0">
+                        <a:latin typeface="Cambria Math" panose="02040503050406030204" pitchFamily="18" charset="0"/>
+                      </a:rPr>
+                      <m:t>𝑋</m:t>
+                    </m:r>
+                    <m:r>
+                      <a:rPr lang="en-AU" b="0" i="1" smtClean="0">
+                        <a:latin typeface="Cambria Math" panose="02040503050406030204" pitchFamily="18" charset="0"/>
+                      </a:rPr>
+                      <m:t>)</m:t>
+                    </m:r>
+                  </m:oMath>
+                </a14:m>
+                <a:r>
+                  <a:rPr lang="en-AU" dirty="0"/>
+                  <a:t> where </a:t>
+                </a:r>
+                <a14:m>
+                  <m:oMath xmlns:m="http://schemas.openxmlformats.org/officeDocument/2006/math">
+                    <m:r>
+                      <a:rPr lang="en-AU" i="1">
+                        <a:latin typeface="Cambria Math" panose="02040503050406030204" pitchFamily="18" charset="0"/>
+                      </a:rPr>
+                      <m:t>𝑋</m:t>
+                    </m:r>
+                  </m:oMath>
+                </a14:m>
+                <a:r>
+                  <a:rPr lang="en-AU" dirty="0"/>
+                  <a:t> is the full English name and </a:t>
+                </a:r>
+                <a14:m>
+                  <m:oMath xmlns:m="http://schemas.openxmlformats.org/officeDocument/2006/math">
+                    <m:sSub>
+                      <m:sSubPr>
+                        <m:ctrlPr>
+                          <a:rPr lang="en-AU" i="1">
+                            <a:latin typeface="Cambria Math" panose="02040503050406030204" pitchFamily="18" charset="0"/>
+                          </a:rPr>
+                        </m:ctrlPr>
+                      </m:sSubPr>
+                      <m:e>
+                        <m:r>
+                          <a:rPr lang="en-AU" i="1">
+                            <a:latin typeface="Cambria Math" panose="02040503050406030204" pitchFamily="18" charset="0"/>
+                          </a:rPr>
+                          <m:t>𝑦</m:t>
+                        </m:r>
+                      </m:e>
+                      <m:sub>
+                        <m:r>
+                          <a:rPr lang="en-AU" i="1">
+                            <a:latin typeface="Cambria Math" panose="02040503050406030204" pitchFamily="18" charset="0"/>
+                          </a:rPr>
+                          <m:t>0:</m:t>
+                        </m:r>
+                        <m:r>
+                          <a:rPr lang="en-AU" i="1">
+                            <a:latin typeface="Cambria Math" panose="02040503050406030204" pitchFamily="18" charset="0"/>
+                          </a:rPr>
+                          <m:t>𝑡</m:t>
+                        </m:r>
+                        <m:r>
+                          <a:rPr lang="en-AU" i="1">
+                            <a:latin typeface="Cambria Math" panose="02040503050406030204" pitchFamily="18" charset="0"/>
+                          </a:rPr>
+                          <m:t>−1</m:t>
+                        </m:r>
+                      </m:sub>
+                    </m:sSub>
+                  </m:oMath>
+                </a14:m>
+                <a:r>
+                  <a:rPr lang="en-AU" dirty="0"/>
+                  <a:t> are the characters of the screen name. This enables us to perform a different method of cleansing upon the data, one that is biased by what the model has learnt.</a:t>
+                </a:r>
+              </a:p>
+              <a:p>
+                <a:r>
+                  <a:rPr lang="en-AU" dirty="0"/>
+                  <a:t>We give the model a name pair and the probability that comes out is how confident the model is that </a:t>
+                </a:r>
+                <a14:m>
+                  <m:oMath xmlns:m="http://schemas.openxmlformats.org/officeDocument/2006/math">
+                    <m:r>
+                      <a:rPr lang="en-AU" b="0" i="1" smtClean="0">
+                        <a:latin typeface="Cambria Math" panose="02040503050406030204" pitchFamily="18" charset="0"/>
+                      </a:rPr>
+                      <m:t>𝑋</m:t>
+                    </m:r>
+                  </m:oMath>
+                </a14:m>
+                <a:r>
+                  <a:rPr lang="en-AU" dirty="0"/>
+                  <a:t> is the transliteration of </a:t>
+                </a:r>
+                <a14:m>
+                  <m:oMath xmlns:m="http://schemas.openxmlformats.org/officeDocument/2006/math">
+                    <m:r>
+                      <a:rPr lang="en-AU" b="0" i="1" smtClean="0">
+                        <a:latin typeface="Cambria Math" panose="02040503050406030204" pitchFamily="18" charset="0"/>
+                      </a:rPr>
+                      <m:t>𝑌</m:t>
+                    </m:r>
+                  </m:oMath>
+                </a14:m>
+                <a:r>
+                  <a:rPr lang="en-AU" dirty="0"/>
+                  <a:t>. </a:t>
+                </a:r>
+              </a:p>
+              <a:p>
+                <a:r>
+                  <a:rPr lang="en-AU" dirty="0"/>
+                  <a:t>We remove name pairs that are under a certain probability and using these cleansed names another model is trained.</a:t>
+                </a:r>
+              </a:p>
+              <a:p>
+                <a:r>
+                  <a:rPr lang="en-AU" dirty="0"/>
+                  <a:t>Using this second model, we can repeat the process of cleansing</a:t>
+                </a:r>
+              </a:p>
+              <a:p>
+                <a:endParaRPr lang="en-AU" dirty="0"/>
+              </a:p>
+              <a:p>
+                <a:r>
+                  <a:rPr lang="en-AU" dirty="0"/>
+                  <a:t>Currently a constraint is that batch predicting uses </a:t>
+                </a:r>
+                <a:r>
+                  <a:rPr lang="en-AU" b="1" dirty="0"/>
+                  <a:t>a lot</a:t>
+                </a:r>
+                <a:r>
+                  <a:rPr lang="en-AU" dirty="0"/>
+                  <a:t> of memory and predicting one at a time is </a:t>
+                </a:r>
+                <a:r>
+                  <a:rPr lang="en-AU" b="1" dirty="0"/>
+                  <a:t>very</a:t>
+                </a:r>
+                <a:r>
+                  <a:rPr lang="en-AU" dirty="0"/>
+                  <a:t> slow.</a:t>
+                </a:r>
+              </a:p>
+            </p:txBody>
+          </p:sp>
+        </mc:Choice>
+        <mc:Fallback>
+          <p:sp>
+            <p:nvSpPr>
+              <p:cNvPr id="3" name="Content Placeholder 2">
+                <a:extLst>
+                  <a:ext uri="{FF2B5EF4-FFF2-40B4-BE49-F238E27FC236}">
+                    <a16:creationId xmlns:a16="http://schemas.microsoft.com/office/drawing/2014/main" id="{419776F4-8B25-584A-9797-82CA918C4587}"/>
+                  </a:ext>
+                </a:extLst>
+              </p:cNvPr>
+              <p:cNvSpPr>
+                <a:spLocks noGrp="1" noRot="1" noChangeAspect="1" noMove="1" noResize="1" noEditPoints="1" noAdjustHandles="1" noChangeArrowheads="1" noChangeShapeType="1" noTextEdit="1"/>
+              </p:cNvSpPr>
+              <p:nvPr>
+                <p:ph idx="1"/>
+              </p:nvPr>
+            </p:nvSpPr>
+            <p:spPr>
+              <a:blipFill>
+                <a:blip r:embed="rId2"/>
+                <a:stretch>
+                  <a:fillRect l="-378" t="-643" r="-378"/>
+                </a:stretch>
+              </a:blipFill>
+            </p:spPr>
+            <p:txBody>
+              <a:bodyPr/>
+              <a:lstStyle/>
+              <a:p>
+                <a:r>
+                  <a:rPr lang="en-AU">
+                    <a:noFill/>
+                  </a:rPr>
+                  <a:t> </a:t>
+                </a:r>
+              </a:p>
+            </p:txBody>
+          </p:sp>
+        </mc:Fallback>
+      </mc:AlternateContent>
+    </p:spTree>
+    <p:extLst>
+      <p:ext uri="{BB962C8B-B14F-4D97-AF65-F5344CB8AC3E}">
+        <p14:creationId xmlns:p14="http://schemas.microsoft.com/office/powerpoint/2010/main" val="2377218143"/>
+      </p:ext>
+    </p:extLst>
+  </p:cSld>
+  <p:clrMapOvr>
+    <a:masterClrMapping/>
+  </p:clrMapOvr>
+</p:sld>
+</file>
+
+<file path=ppt/slides/slide12.xml><?xml version="1.0" encoding="utf-8"?>
+<p:sld xmlns:a="http://schemas.openxmlformats.org/drawingml/2006/main" xmlns:r="http://schemas.openxmlformats.org/officeDocument/2006/relationships" xmlns:p="http://schemas.openxmlformats.org/presentationml/2006/main">
+  <p:cSld>
+    <p:spTree>
+      <p:nvGrpSpPr>
+        <p:cNvPr id="1" name=""/>
+        <p:cNvGrpSpPr/>
+        <p:nvPr/>
+      </p:nvGrpSpPr>
+      <p:grpSpPr>
+        <a:xfrm>
+          <a:off x="0" y="0"/>
+          <a:ext cx="0" cy="0"/>
+          <a:chOff x="0" y="0"/>
+          <a:chExt cx="0" cy="0"/>
+        </a:xfrm>
+      </p:grpSpPr>
+      <p:sp>
+        <p:nvSpPr>
+          <p:cNvPr id="2" name="Title 1">
+            <a:extLst>
+              <a:ext uri="{FF2B5EF4-FFF2-40B4-BE49-F238E27FC236}">
+                <a16:creationId xmlns:a16="http://schemas.microsoft.com/office/drawing/2014/main" id="{AA06D29F-6253-8D49-BC8B-C357445659E6}"/>
+              </a:ext>
+            </a:extLst>
+          </p:cNvPr>
+          <p:cNvSpPr>
+            <a:spLocks noGrp="1"/>
+          </p:cNvSpPr>
+          <p:nvPr>
+            <p:ph type="title"/>
+          </p:nvPr>
+        </p:nvSpPr>
+        <p:spPr/>
+        <p:txBody>
+          <a:bodyPr/>
+          <a:lstStyle/>
+          <a:p>
+            <a:pPr algn="ctr"/>
+            <a:r>
+              <a:rPr lang="en-AU" dirty="0"/>
+              <a:t>Plots</a:t>
+            </a:r>
+          </a:p>
+        </p:txBody>
+      </p:sp>
+      <p:sp>
+        <p:nvSpPr>
+          <p:cNvPr id="3" name="Content Placeholder 2">
+            <a:extLst>
+              <a:ext uri="{FF2B5EF4-FFF2-40B4-BE49-F238E27FC236}">
+                <a16:creationId xmlns:a16="http://schemas.microsoft.com/office/drawing/2014/main" id="{EA45A62A-1982-104F-9918-E5046ADBB1A2}"/>
+              </a:ext>
+            </a:extLst>
+          </p:cNvPr>
+          <p:cNvSpPr>
+            <a:spLocks noGrp="1"/>
+          </p:cNvSpPr>
+          <p:nvPr>
+            <p:ph idx="1"/>
+          </p:nvPr>
+        </p:nvSpPr>
+        <p:spPr/>
+        <p:txBody>
+          <a:bodyPr/>
+          <a:lstStyle/>
+          <a:p>
+            <a:endParaRPr lang="en-AU" dirty="0"/>
+          </a:p>
+        </p:txBody>
+      </p:sp>
+      <p:pic>
+        <p:nvPicPr>
+          <p:cNvPr id="2050" name="Picture 2">
+            <a:extLst>
+              <a:ext uri="{FF2B5EF4-FFF2-40B4-BE49-F238E27FC236}">
+                <a16:creationId xmlns:a16="http://schemas.microsoft.com/office/drawing/2014/main" id="{E82AF389-094A-0A44-90E3-D8795B720031}"/>
+              </a:ext>
+            </a:extLst>
+          </p:cNvPr>
+          <p:cNvPicPr>
+            <a:picLocks noChangeAspect="1" noChangeArrowheads="1"/>
+          </p:cNvPicPr>
+          <p:nvPr/>
+        </p:nvPicPr>
+        <p:blipFill>
+          <a:blip r:embed="rId2">
+            <a:extLst>
+              <a:ext uri="{28A0092B-C50C-407E-A947-70E740481C1C}">
+                <a14:useLocalDpi xmlns:a14="http://schemas.microsoft.com/office/drawing/2010/main" val="0"/>
+              </a:ext>
+            </a:extLst>
+          </a:blip>
+          <a:srcRect/>
+          <a:stretch>
+            <a:fillRect/>
+          </a:stretch>
+        </p:blipFill>
+        <p:spPr bwMode="auto">
+          <a:xfrm>
+            <a:off x="1066800" y="2103120"/>
+            <a:ext cx="3580231" cy="2442328"/>
+          </a:xfrm>
+          <a:prstGeom prst="rect">
+            <a:avLst/>
+          </a:prstGeom>
+          <a:noFill/>
+          <a:extLst>
+            <a:ext uri="{909E8E84-426E-40DD-AFC4-6F175D3DCCD1}">
+              <a14:hiddenFill xmlns:a14="http://schemas.microsoft.com/office/drawing/2010/main">
+                <a:solidFill>
+                  <a:srgbClr val="FFFFFF"/>
+                </a:solidFill>
+              </a14:hiddenFill>
+            </a:ext>
+          </a:extLst>
+        </p:spPr>
+      </p:pic>
+      <p:pic>
+        <p:nvPicPr>
+          <p:cNvPr id="2054" name="Picture 6">
+            <a:extLst>
+              <a:ext uri="{FF2B5EF4-FFF2-40B4-BE49-F238E27FC236}">
+                <a16:creationId xmlns:a16="http://schemas.microsoft.com/office/drawing/2014/main" id="{86F0DB7C-C107-844D-95F8-46EF3A14C1E4}"/>
+              </a:ext>
+            </a:extLst>
+          </p:cNvPr>
+          <p:cNvPicPr>
+            <a:picLocks noChangeAspect="1" noChangeArrowheads="1"/>
+          </p:cNvPicPr>
+          <p:nvPr/>
+        </p:nvPicPr>
+        <p:blipFill>
+          <a:blip r:embed="rId3">
+            <a:extLst>
+              <a:ext uri="{28A0092B-C50C-407E-A947-70E740481C1C}">
+                <a14:useLocalDpi xmlns:a14="http://schemas.microsoft.com/office/drawing/2010/main" val="0"/>
+              </a:ext>
+            </a:extLst>
+          </a:blip>
+          <a:srcRect/>
+          <a:stretch>
+            <a:fillRect/>
+          </a:stretch>
+        </p:blipFill>
+        <p:spPr bwMode="auto">
+          <a:xfrm>
+            <a:off x="4810316" y="2064042"/>
+            <a:ext cx="3580231" cy="2520483"/>
+          </a:xfrm>
+          <a:prstGeom prst="rect">
+            <a:avLst/>
+          </a:prstGeom>
+          <a:noFill/>
+          <a:extLst>
+            <a:ext uri="{909E8E84-426E-40DD-AFC4-6F175D3DCCD1}">
+              <a14:hiddenFill xmlns:a14="http://schemas.microsoft.com/office/drawing/2010/main">
+                <a:solidFill>
+                  <a:srgbClr val="FFFFFF"/>
+                </a:solidFill>
+              </a14:hiddenFill>
+            </a:ext>
+          </a:extLst>
+        </p:spPr>
+      </p:pic>
+    </p:spTree>
+    <p:extLst>
+      <p:ext uri="{BB962C8B-B14F-4D97-AF65-F5344CB8AC3E}">
+        <p14:creationId xmlns:p14="http://schemas.microsoft.com/office/powerpoint/2010/main" val="2441725427"/>
+      </p:ext>
+    </p:extLst>
+  </p:cSld>
+  <p:clrMapOvr>
+    <a:masterClrMapping/>
+  </p:clrMapOvr>
+</p:sld>
+</file>
+
+<file path=ppt/slides/slide13.xml><?xml version="1.0" encoding="utf-8"?>
+<p:sld xmlns:a="http://schemas.openxmlformats.org/drawingml/2006/main" xmlns:r="http://schemas.openxmlformats.org/officeDocument/2006/relationships" xmlns:p="http://schemas.openxmlformats.org/presentationml/2006/main">
+  <p:cSld>
+    <p:spTree>
+      <p:nvGrpSpPr>
+        <p:cNvPr id="1" name=""/>
+        <p:cNvGrpSpPr/>
+        <p:nvPr/>
+      </p:nvGrpSpPr>
+      <p:grpSpPr>
+        <a:xfrm>
+          <a:off x="0" y="0"/>
+          <a:ext cx="0" cy="0"/>
+          <a:chOff x="0" y="0"/>
+          <a:chExt cx="0" cy="0"/>
+        </a:xfrm>
+      </p:grpSpPr>
+      <p:sp>
+        <p:nvSpPr>
+          <p:cNvPr id="2" name="Title 1">
+            <a:extLst>
+              <a:ext uri="{FF2B5EF4-FFF2-40B4-BE49-F238E27FC236}">
+                <a16:creationId xmlns:a16="http://schemas.microsoft.com/office/drawing/2014/main" id="{16E17297-EC55-E94B-8DA0-352EA04FCAAB}"/>
+              </a:ext>
+            </a:extLst>
+          </p:cNvPr>
+          <p:cNvSpPr>
+            <a:spLocks noGrp="1"/>
+          </p:cNvSpPr>
+          <p:nvPr>
+            <p:ph type="title"/>
+          </p:nvPr>
+        </p:nvSpPr>
+        <p:spPr/>
+        <p:txBody>
+          <a:bodyPr/>
+          <a:lstStyle/>
+          <a:p>
+            <a:pPr algn="ctr"/>
+            <a:r>
+              <a:rPr lang="en-AU" dirty="0"/>
+              <a:t>Results</a:t>
+            </a:r>
+          </a:p>
+        </p:txBody>
+      </p:sp>
+      <p:sp>
+        <p:nvSpPr>
+          <p:cNvPr id="3" name="Content Placeholder 2">
+            <a:extLst>
+              <a:ext uri="{FF2B5EF4-FFF2-40B4-BE49-F238E27FC236}">
+                <a16:creationId xmlns:a16="http://schemas.microsoft.com/office/drawing/2014/main" id="{1809E95B-ABBE-1F4D-A430-70D107FD47FD}"/>
+              </a:ext>
+            </a:extLst>
+          </p:cNvPr>
+          <p:cNvSpPr>
+            <a:spLocks noGrp="1"/>
+          </p:cNvSpPr>
+          <p:nvPr>
+            <p:ph idx="1"/>
+          </p:nvPr>
+        </p:nvSpPr>
+        <p:spPr/>
+        <p:txBody>
+          <a:bodyPr/>
+          <a:lstStyle/>
+          <a:p>
+            <a:r>
+              <a:rPr lang="en-AU" dirty="0"/>
+              <a:t>A fully functioning pipeline</a:t>
+            </a:r>
+          </a:p>
+          <a:p>
+            <a:pPr lvl="1"/>
+            <a:r>
+              <a:rPr lang="en-AU" dirty="0"/>
+              <a:t>Consisting of separate python modules for each part of the pipeline</a:t>
+            </a:r>
+          </a:p>
+          <a:p>
+            <a:pPr lvl="1"/>
+            <a:r>
+              <a:rPr lang="en-AU" dirty="0" err="1"/>
+              <a:t>Jupyter</a:t>
+            </a:r>
+            <a:r>
+              <a:rPr lang="en-AU" dirty="0"/>
+              <a:t> notebooks with examples of using the created python modules to run the pipeline</a:t>
+            </a:r>
+          </a:p>
+          <a:p>
+            <a:pPr lvl="1"/>
+            <a:r>
+              <a:rPr lang="en-AU" dirty="0" err="1"/>
+              <a:t>Jupyter</a:t>
+            </a:r>
+            <a:r>
+              <a:rPr lang="en-AU" dirty="0"/>
+              <a:t> notebooks with experiments on the created pipeline</a:t>
+            </a:r>
+          </a:p>
+        </p:txBody>
+      </p:sp>
+    </p:spTree>
+    <p:extLst>
+      <p:ext uri="{BB962C8B-B14F-4D97-AF65-F5344CB8AC3E}">
+        <p14:creationId xmlns:p14="http://schemas.microsoft.com/office/powerpoint/2010/main" val="3546790465"/>
       </p:ext>
     </p:extLst>
   </p:cSld>
@@ -4398,6 +5860,7 @@
           </a:bodyPr>
           <a:lstStyle/>
           <a:p>
+            <a:pPr algn="ctr"/>
             <a:r>
               <a:rPr lang="en-AU" dirty="0"/>
               <a:t>Introduction to Machine Transliteration</a:t>
@@ -4432,35 +5895,45 @@
             </a:r>
           </a:p>
           <a:p>
+            <a:pPr lvl="1"/>
+            <a:r>
+              <a:rPr lang="en-AU" dirty="0"/>
+              <a:t>Transliteration is the act of converting a word from one writing system to another.</a:t>
+            </a:r>
+          </a:p>
+          <a:p>
+            <a:pPr lvl="1"/>
+            <a:r>
+              <a:rPr lang="en-AU" dirty="0"/>
+              <a:t>Note: it is different from translation, transliteration expresses the word directly through sounds (graphemes and phonemes)</a:t>
+            </a:r>
+          </a:p>
+          <a:p>
+            <a:pPr lvl="1"/>
+            <a:r>
+              <a:rPr lang="en-AU" dirty="0"/>
+              <a:t>Many standard transliteration systems exist for language pairs.</a:t>
+            </a:r>
+          </a:p>
+          <a:p>
             <a:r>
               <a:rPr lang="en-AU" dirty="0"/>
               <a:t>Brief history</a:t>
             </a:r>
           </a:p>
           <a:p>
+            <a:pPr lvl="1"/>
             <a:r>
               <a:rPr lang="en-AU" dirty="0"/>
-              <a:t>Difference between transliteration and translation</a:t>
+              <a:t>Standard transliteration systems rely heavily in decomposing words into graphemes (smallest unit in a writing system) and phonemes (smallest unit of speech in the language). Along with rules crafted by linguists.</a:t>
             </a:r>
           </a:p>
           <a:p>
             <a:pPr lvl="1"/>
             <a:r>
               <a:rPr lang="en-AU" dirty="0"/>
-              <a:t>Examples</a:t>
-            </a:r>
-          </a:p>
-          <a:p>
-            <a:r>
-              <a:rPr lang="en-AU" dirty="0"/>
-              <a:t>Why is it hard?</a:t>
-            </a:r>
-          </a:p>
-          <a:p>
-            <a:pPr marL="274320" lvl="1" indent="0">
-              <a:buNone/>
-            </a:pPr>
-            <a:endParaRPr lang="en-AU" dirty="0"/>
+              <a:t>Can also be viewed as a Machine Learning problem.</a:t>
+            </a:r>
           </a:p>
         </p:txBody>
       </p:sp>
@@ -4515,6 +5988,7 @@
           <a:bodyPr/>
           <a:lstStyle/>
           <a:p>
+            <a:pPr algn="ctr"/>
             <a:r>
               <a:rPr lang="en-AU" dirty="0"/>
               <a:t>Motivation</a:t>
@@ -4545,8 +6019,87 @@
           <a:p>
             <a:r>
               <a:rPr lang="en-AU" dirty="0"/>
-              <a:t>Why is this important?</a:t>
-            </a:r>
+              <a:t>Importance of Transliteration</a:t>
+            </a:r>
+          </a:p>
+          <a:p>
+            <a:pPr lvl="1"/>
+            <a:r>
+              <a:rPr lang="en-AU" dirty="0"/>
+              <a:t>This project is specifically looking into </a:t>
+            </a:r>
+            <a:r>
+              <a:rPr lang="en-AU" b="1" dirty="0"/>
+              <a:t>person name </a:t>
+            </a:r>
+            <a:r>
+              <a:rPr lang="en-AU" dirty="0"/>
+              <a:t>transliterations.</a:t>
+            </a:r>
+          </a:p>
+          <a:p>
+            <a:pPr lvl="1"/>
+            <a:r>
+              <a:rPr lang="en-AU" dirty="0"/>
+              <a:t>The accurate representation of person name transliterations is important for other fields of NLP.</a:t>
+            </a:r>
+          </a:p>
+          <a:p>
+            <a:r>
+              <a:rPr lang="en-AU" dirty="0"/>
+              <a:t>Application of Transliteration</a:t>
+            </a:r>
+          </a:p>
+          <a:p>
+            <a:pPr lvl="1"/>
+            <a:r>
+              <a:rPr lang="en-AU" dirty="0"/>
+              <a:t>Security vetting</a:t>
+            </a:r>
+          </a:p>
+          <a:p>
+            <a:r>
+              <a:rPr lang="en-AU" dirty="0"/>
+              <a:t>Why look into this if standard transliterations already exist?</a:t>
+            </a:r>
+          </a:p>
+          <a:p>
+            <a:pPr lvl="1"/>
+            <a:r>
+              <a:rPr lang="en-AU" dirty="0"/>
+              <a:t>We are trying to capture </a:t>
+            </a:r>
+            <a:r>
+              <a:rPr lang="en-AU" b="1" dirty="0"/>
+              <a:t>informal</a:t>
+            </a:r>
+            <a:r>
+              <a:rPr lang="en-AU" dirty="0"/>
+              <a:t> person name transliterations which more accurately capture how a native speaker would attempt to transliterate their own name.</a:t>
+            </a:r>
+          </a:p>
+          <a:p>
+            <a:pPr lvl="1"/>
+            <a:r>
+              <a:rPr lang="en-AU" dirty="0"/>
+              <a:t>Mostly interested in transliterating person names from languages other than English to English (Latin script).</a:t>
+            </a:r>
+          </a:p>
+          <a:p>
+            <a:pPr marL="274320" lvl="1" indent="0">
+              <a:buNone/>
+            </a:pPr>
+            <a:endParaRPr lang="en-AU" dirty="0"/>
+          </a:p>
+          <a:p>
+            <a:pPr marL="274320" lvl="1" indent="0">
+              <a:buNone/>
+            </a:pPr>
+            <a:endParaRPr lang="en-AU" dirty="0"/>
+          </a:p>
+          <a:p>
+            <a:pPr lvl="1"/>
+            <a:endParaRPr lang="en-AU" dirty="0"/>
           </a:p>
         </p:txBody>
       </p:sp>
@@ -4585,6 +6138,148 @@
           <p:cNvPr id="2" name="Title 1">
             <a:extLst>
               <a:ext uri="{FF2B5EF4-FFF2-40B4-BE49-F238E27FC236}">
+                <a16:creationId xmlns:a16="http://schemas.microsoft.com/office/drawing/2014/main" id="{15919FF9-7C48-1E49-A772-89D2A11887A2}"/>
+              </a:ext>
+            </a:extLst>
+          </p:cNvPr>
+          <p:cNvSpPr>
+            <a:spLocks noGrp="1"/>
+          </p:cNvSpPr>
+          <p:nvPr>
+            <p:ph type="title"/>
+          </p:nvPr>
+        </p:nvSpPr>
+        <p:spPr/>
+        <p:txBody>
+          <a:bodyPr/>
+          <a:lstStyle/>
+          <a:p>
+            <a:pPr algn="ctr"/>
+            <a:r>
+              <a:rPr lang="en-AU" dirty="0"/>
+              <a:t>Project Goal</a:t>
+            </a:r>
+          </a:p>
+        </p:txBody>
+      </p:sp>
+      <p:sp>
+        <p:nvSpPr>
+          <p:cNvPr id="3" name="Content Placeholder 2">
+            <a:extLst>
+              <a:ext uri="{FF2B5EF4-FFF2-40B4-BE49-F238E27FC236}">
+                <a16:creationId xmlns:a16="http://schemas.microsoft.com/office/drawing/2014/main" id="{82683CF8-8E5A-EC40-B8A9-3894F64000BB}"/>
+              </a:ext>
+            </a:extLst>
+          </p:cNvPr>
+          <p:cNvSpPr>
+            <a:spLocks noGrp="1"/>
+          </p:cNvSpPr>
+          <p:nvPr>
+            <p:ph idx="1"/>
+          </p:nvPr>
+        </p:nvSpPr>
+        <p:spPr/>
+        <p:txBody>
+          <a:bodyPr/>
+          <a:lstStyle/>
+          <a:p>
+            <a:r>
+              <a:rPr lang="en-AU" dirty="0"/>
+              <a:t>Build a person name transliteration pipeline</a:t>
+            </a:r>
+          </a:p>
+          <a:p>
+            <a:pPr lvl="1"/>
+            <a:r>
+              <a:rPr lang="en-AU" dirty="0"/>
+              <a:t>Takes in raw Twitter data</a:t>
+            </a:r>
+          </a:p>
+          <a:p>
+            <a:pPr lvl="1"/>
+            <a:r>
+              <a:rPr lang="en-AU" dirty="0"/>
+              <a:t>Creates a person name transliteration system</a:t>
+            </a:r>
+          </a:p>
+          <a:p>
+            <a:pPr lvl="1"/>
+            <a:r>
+              <a:rPr lang="en-AU" dirty="0"/>
+              <a:t>Has to be robust</a:t>
+            </a:r>
+          </a:p>
+          <a:p>
+            <a:pPr lvl="1"/>
+            <a:r>
+              <a:rPr lang="en-AU" dirty="0"/>
+              <a:t>Able to perform well over multiple languages with varied writing systems</a:t>
+            </a:r>
+          </a:p>
+          <a:p>
+            <a:r>
+              <a:rPr lang="en-AU" dirty="0"/>
+              <a:t>Perform experiments on pipeline</a:t>
+            </a:r>
+          </a:p>
+          <a:p>
+            <a:pPr lvl="1"/>
+            <a:r>
+              <a:rPr lang="en-AU" dirty="0"/>
+              <a:t>Measure loss and accuracy of trained models</a:t>
+            </a:r>
+          </a:p>
+          <a:p>
+            <a:pPr lvl="1"/>
+            <a:r>
+              <a:rPr lang="en-AU" dirty="0"/>
+              <a:t>Look at edit distances of Twitter names compared to a standard transliteration</a:t>
+            </a:r>
+          </a:p>
+          <a:p>
+            <a:pPr lvl="1"/>
+            <a:r>
+              <a:rPr lang="en-AU" dirty="0"/>
+              <a:t>Look at confidence of trained model</a:t>
+            </a:r>
+          </a:p>
+        </p:txBody>
+      </p:sp>
+    </p:spTree>
+    <p:extLst>
+      <p:ext uri="{BB962C8B-B14F-4D97-AF65-F5344CB8AC3E}">
+        <p14:creationId xmlns:p14="http://schemas.microsoft.com/office/powerpoint/2010/main" val="2618117122"/>
+      </p:ext>
+    </p:extLst>
+  </p:cSld>
+  <p:clrMapOvr>
+    <a:masterClrMapping/>
+  </p:clrMapOvr>
+</p:sld>
+</file>
+
+<file path=ppt/slides/slide5.xml><?xml version="1.0" encoding="utf-8"?>
+<p:sld xmlns:a="http://schemas.openxmlformats.org/drawingml/2006/main" xmlns:r="http://schemas.openxmlformats.org/officeDocument/2006/relationships" xmlns:p="http://schemas.openxmlformats.org/presentationml/2006/main">
+  <p:cSld>
+    <p:spTree>
+      <p:nvGrpSpPr>
+        <p:cNvPr id="1" name=""/>
+        <p:cNvGrpSpPr/>
+        <p:nvPr/>
+      </p:nvGrpSpPr>
+      <p:grpSpPr>
+        <a:xfrm>
+          <a:off x="0" y="0"/>
+          <a:ext cx="0" cy="0"/>
+          <a:chOff x="0" y="0"/>
+          <a:chExt cx="0" cy="0"/>
+        </a:xfrm>
+      </p:grpSpPr>
+      <p:sp>
+        <p:nvSpPr>
+          <p:cNvPr id="2" name="Title 1">
+            <a:extLst>
+              <a:ext uri="{FF2B5EF4-FFF2-40B4-BE49-F238E27FC236}">
                 <a16:creationId xmlns:a16="http://schemas.microsoft.com/office/drawing/2014/main" id="{57AE6586-401E-1C4B-A615-8B26277F8E94}"/>
               </a:ext>
             </a:extLst>
@@ -4596,14 +6291,22 @@
             <p:ph type="title"/>
           </p:nvPr>
         </p:nvSpPr>
-        <p:spPr/>
-        <p:txBody>
-          <a:bodyPr/>
+        <p:spPr>
+          <a:xfrm>
+            <a:off x="1066800" y="642594"/>
+            <a:ext cx="7419975" cy="1371600"/>
+          </a:xfrm>
+        </p:spPr>
+        <p:txBody>
+          <a:bodyPr>
+            <a:normAutofit fontScale="90000"/>
+          </a:bodyPr>
           <a:lstStyle/>
           <a:p>
+            <a:pPr algn="ctr"/>
             <a:r>
               <a:rPr lang="en-AU" dirty="0"/>
-              <a:t>Methodology</a:t>
+              <a:t>Methodology – Building the Pipeline</a:t>
             </a:r>
           </a:p>
         </p:txBody>
@@ -4624,19 +6327,687 @@
             <p:ph idx="1"/>
           </p:nvPr>
         </p:nvSpPr>
-        <p:spPr/>
+        <p:spPr>
+          <a:xfrm>
+            <a:off x="1066800" y="2103120"/>
+            <a:ext cx="7419975" cy="3931920"/>
+          </a:xfrm>
+        </p:spPr>
         <p:txBody>
           <a:bodyPr/>
           <a:lstStyle/>
           <a:p>
-            <a:endParaRPr lang="en-AU" dirty="0"/>
-          </a:p>
-        </p:txBody>
-      </p:sp>
+            <a:r>
+              <a:rPr lang="en-AU" dirty="0"/>
+              <a:t>Split into three stages</a:t>
+            </a:r>
+          </a:p>
+          <a:p>
+            <a:pPr marL="617220" lvl="1" indent="-342900">
+              <a:buFont typeface="+mj-lt"/>
+              <a:buAutoNum type="arabicPeriod"/>
+            </a:pPr>
+            <a:r>
+              <a:rPr lang="en-AU" dirty="0"/>
+              <a:t>Filtering: where the data is filtered by language</a:t>
+            </a:r>
+          </a:p>
+          <a:p>
+            <a:pPr marL="617220" lvl="1" indent="-342900">
+              <a:buFont typeface="+mj-lt"/>
+              <a:buAutoNum type="arabicPeriod"/>
+            </a:pPr>
+            <a:r>
+              <a:rPr lang="en-AU" dirty="0"/>
+              <a:t>Cleansing: where a standard transliteration is applied and if the edit distance is close enough to the English name then the name pair is accepted</a:t>
+            </a:r>
+          </a:p>
+          <a:p>
+            <a:pPr marL="617220" lvl="1" indent="-342900">
+              <a:buFont typeface="+mj-lt"/>
+              <a:buAutoNum type="arabicPeriod"/>
+            </a:pPr>
+            <a:r>
+              <a:rPr lang="en-AU" dirty="0"/>
+              <a:t>Training and Evaluation: where a model is trained and evaluated for effectiveness</a:t>
+            </a:r>
+          </a:p>
+        </p:txBody>
+      </p:sp>
+      <p:pic>
+        <p:nvPicPr>
+          <p:cNvPr id="1026" name="Picture 2" descr="page3image54023040">
+            <a:extLst>
+              <a:ext uri="{FF2B5EF4-FFF2-40B4-BE49-F238E27FC236}">
+                <a16:creationId xmlns:a16="http://schemas.microsoft.com/office/drawing/2014/main" id="{806DA5E5-EBBB-CB48-9F2F-0D276618F19B}"/>
+              </a:ext>
+            </a:extLst>
+          </p:cNvPr>
+          <p:cNvPicPr>
+            <a:picLocks noChangeAspect="1" noChangeArrowheads="1"/>
+          </p:cNvPicPr>
+          <p:nvPr/>
+        </p:nvPicPr>
+        <p:blipFill>
+          <a:blip r:embed="rId2">
+            <a:extLst>
+              <a:ext uri="{28A0092B-C50C-407E-A947-70E740481C1C}">
+                <a14:useLocalDpi xmlns:a14="http://schemas.microsoft.com/office/drawing/2010/main" val="0"/>
+              </a:ext>
+            </a:extLst>
+          </a:blip>
+          <a:srcRect/>
+          <a:stretch>
+            <a:fillRect/>
+          </a:stretch>
+        </p:blipFill>
+        <p:spPr bwMode="auto">
+          <a:xfrm>
+            <a:off x="8610600" y="624006"/>
+            <a:ext cx="2514600" cy="5270500"/>
+          </a:xfrm>
+          <a:prstGeom prst="rect">
+            <a:avLst/>
+          </a:prstGeom>
+          <a:noFill/>
+          <a:extLst>
+            <a:ext uri="{909E8E84-426E-40DD-AFC4-6F175D3DCCD1}">
+              <a14:hiddenFill xmlns:a14="http://schemas.microsoft.com/office/drawing/2010/main">
+                <a:solidFill>
+                  <a:srgbClr val="FFFFFF"/>
+                </a:solidFill>
+              </a14:hiddenFill>
+            </a:ext>
+          </a:extLst>
+        </p:spPr>
+      </p:pic>
     </p:spTree>
     <p:extLst>
       <p:ext uri="{BB962C8B-B14F-4D97-AF65-F5344CB8AC3E}">
         <p14:creationId xmlns:p14="http://schemas.microsoft.com/office/powerpoint/2010/main" val="465021051"/>
+      </p:ext>
+    </p:extLst>
+  </p:cSld>
+  <p:clrMapOvr>
+    <a:masterClrMapping/>
+  </p:clrMapOvr>
+</p:sld>
+</file>
+
+<file path=ppt/slides/slide6.xml><?xml version="1.0" encoding="utf-8"?>
+<p:sld xmlns:a="http://schemas.openxmlformats.org/drawingml/2006/main" xmlns:r="http://schemas.openxmlformats.org/officeDocument/2006/relationships" xmlns:p="http://schemas.openxmlformats.org/presentationml/2006/main">
+  <p:cSld>
+    <p:spTree>
+      <p:nvGrpSpPr>
+        <p:cNvPr id="1" name=""/>
+        <p:cNvGrpSpPr/>
+        <p:nvPr/>
+      </p:nvGrpSpPr>
+      <p:grpSpPr>
+        <a:xfrm>
+          <a:off x="0" y="0"/>
+          <a:ext cx="0" cy="0"/>
+          <a:chOff x="0" y="0"/>
+          <a:chExt cx="0" cy="0"/>
+        </a:xfrm>
+      </p:grpSpPr>
+      <p:sp>
+        <p:nvSpPr>
+          <p:cNvPr id="2" name="Title 1">
+            <a:extLst>
+              <a:ext uri="{FF2B5EF4-FFF2-40B4-BE49-F238E27FC236}">
+                <a16:creationId xmlns:a16="http://schemas.microsoft.com/office/drawing/2014/main" id="{6B083F88-AB8D-134D-A64F-42A804E7CFA7}"/>
+              </a:ext>
+            </a:extLst>
+          </p:cNvPr>
+          <p:cNvSpPr>
+            <a:spLocks noGrp="1"/>
+          </p:cNvSpPr>
+          <p:nvPr>
+            <p:ph type="title"/>
+          </p:nvPr>
+        </p:nvSpPr>
+        <p:spPr/>
+        <p:txBody>
+          <a:bodyPr/>
+          <a:lstStyle/>
+          <a:p>
+            <a:pPr algn="ctr"/>
+            <a:r>
+              <a:rPr lang="en-AU" dirty="0"/>
+              <a:t>Filtering</a:t>
+            </a:r>
+          </a:p>
+        </p:txBody>
+      </p:sp>
+      <p:sp>
+        <p:nvSpPr>
+          <p:cNvPr id="3" name="Content Placeholder 2">
+            <a:extLst>
+              <a:ext uri="{FF2B5EF4-FFF2-40B4-BE49-F238E27FC236}">
+                <a16:creationId xmlns:a16="http://schemas.microsoft.com/office/drawing/2014/main" id="{C7C8402D-8909-AE49-A840-24EF1BEA7444}"/>
+              </a:ext>
+            </a:extLst>
+          </p:cNvPr>
+          <p:cNvSpPr>
+            <a:spLocks noGrp="1"/>
+          </p:cNvSpPr>
+          <p:nvPr>
+            <p:ph idx="1"/>
+          </p:nvPr>
+        </p:nvSpPr>
+        <p:spPr/>
+        <p:txBody>
+          <a:bodyPr/>
+          <a:lstStyle/>
+          <a:p>
+            <a:r>
+              <a:rPr lang="en-AU" dirty="0"/>
+              <a:t>Raw Twitter tweets coming in (extracted from the Twitter public stream using API key)</a:t>
+            </a:r>
+          </a:p>
+          <a:p>
+            <a:r>
+              <a:rPr lang="en-AU" dirty="0"/>
+              <a:t>Have to extract user name (English), screen name (maybe not English) and language of tweet</a:t>
+            </a:r>
+          </a:p>
+          <a:p>
+            <a:r>
+              <a:rPr lang="en-AU" dirty="0"/>
+              <a:t>Tweets have a language tag and we can do a preliminary filter using that tag</a:t>
+            </a:r>
+          </a:p>
+          <a:p>
+            <a:r>
+              <a:rPr lang="en-AU" dirty="0"/>
+              <a:t>Another filter is done using regex to eliminate all characters in screen name that do not belong to the language we are filtering</a:t>
+            </a:r>
+          </a:p>
+          <a:p>
+            <a:r>
+              <a:rPr lang="en-AU" dirty="0"/>
+              <a:t>The data is stored as a pandas Data Frame</a:t>
+            </a:r>
+          </a:p>
+        </p:txBody>
+      </p:sp>
+    </p:spTree>
+    <p:extLst>
+      <p:ext uri="{BB962C8B-B14F-4D97-AF65-F5344CB8AC3E}">
+        <p14:creationId xmlns:p14="http://schemas.microsoft.com/office/powerpoint/2010/main" val="1752304929"/>
+      </p:ext>
+    </p:extLst>
+  </p:cSld>
+  <p:clrMapOvr>
+    <a:masterClrMapping/>
+  </p:clrMapOvr>
+</p:sld>
+</file>
+
+<file path=ppt/slides/slide7.xml><?xml version="1.0" encoding="utf-8"?>
+<p:sld xmlns:a="http://schemas.openxmlformats.org/drawingml/2006/main" xmlns:r="http://schemas.openxmlformats.org/officeDocument/2006/relationships" xmlns:p="http://schemas.openxmlformats.org/presentationml/2006/main">
+  <p:cSld>
+    <p:spTree>
+      <p:nvGrpSpPr>
+        <p:cNvPr id="1" name=""/>
+        <p:cNvGrpSpPr/>
+        <p:nvPr/>
+      </p:nvGrpSpPr>
+      <p:grpSpPr>
+        <a:xfrm>
+          <a:off x="0" y="0"/>
+          <a:ext cx="0" cy="0"/>
+          <a:chOff x="0" y="0"/>
+          <a:chExt cx="0" cy="0"/>
+        </a:xfrm>
+      </p:grpSpPr>
+      <p:sp>
+        <p:nvSpPr>
+          <p:cNvPr id="2" name="Title 1">
+            <a:extLst>
+              <a:ext uri="{FF2B5EF4-FFF2-40B4-BE49-F238E27FC236}">
+                <a16:creationId xmlns:a16="http://schemas.microsoft.com/office/drawing/2014/main" id="{CAFE1A96-C4A5-ED4F-BA8D-223D9AAE8150}"/>
+              </a:ext>
+            </a:extLst>
+          </p:cNvPr>
+          <p:cNvSpPr>
+            <a:spLocks noGrp="1"/>
+          </p:cNvSpPr>
+          <p:nvPr>
+            <p:ph type="title"/>
+          </p:nvPr>
+        </p:nvSpPr>
+        <p:spPr/>
+        <p:txBody>
+          <a:bodyPr/>
+          <a:lstStyle/>
+          <a:p>
+            <a:pPr algn="ctr"/>
+            <a:r>
+              <a:rPr lang="en-AU" dirty="0"/>
+              <a:t>Cleansing</a:t>
+            </a:r>
+          </a:p>
+        </p:txBody>
+      </p:sp>
+      <p:sp>
+        <p:nvSpPr>
+          <p:cNvPr id="3" name="Content Placeholder 2">
+            <a:extLst>
+              <a:ext uri="{FF2B5EF4-FFF2-40B4-BE49-F238E27FC236}">
+                <a16:creationId xmlns:a16="http://schemas.microsoft.com/office/drawing/2014/main" id="{8CBEEA7F-703D-6F44-9024-C06D176C88EB}"/>
+              </a:ext>
+            </a:extLst>
+          </p:cNvPr>
+          <p:cNvSpPr>
+            <a:spLocks noGrp="1"/>
+          </p:cNvSpPr>
+          <p:nvPr>
+            <p:ph idx="1"/>
+          </p:nvPr>
+        </p:nvSpPr>
+        <p:spPr/>
+        <p:txBody>
+          <a:bodyPr>
+            <a:normAutofit fontScale="92500" lnSpcReduction="10000"/>
+          </a:bodyPr>
+          <a:lstStyle/>
+          <a:p>
+            <a:r>
+              <a:rPr lang="en-AU" dirty="0"/>
+              <a:t>The purpose of the cleanser is to pick out legitimate name pairs</a:t>
+            </a:r>
+          </a:p>
+          <a:p>
+            <a:pPr lvl="1"/>
+            <a:r>
+              <a:rPr lang="en-AU" dirty="0"/>
+              <a:t>This is because Twitter name pairs are very noisy, users do not always enter a direct transliteration of their name</a:t>
+            </a:r>
+          </a:p>
+          <a:p>
+            <a:pPr lvl="1"/>
+            <a:r>
+              <a:rPr lang="en-AU" dirty="0"/>
+              <a:t>We want to pick out name pairs that have been self-transliterated by the user</a:t>
+            </a:r>
+          </a:p>
+          <a:p>
+            <a:r>
+              <a:rPr lang="en-AU" dirty="0"/>
+              <a:t>The cleansing process</a:t>
+            </a:r>
+          </a:p>
+          <a:p>
+            <a:pPr lvl="1"/>
+            <a:r>
+              <a:rPr lang="en-AU" dirty="0"/>
+              <a:t>Use a standard transliteration system to transliterate the screen name</a:t>
+            </a:r>
+          </a:p>
+          <a:p>
+            <a:pPr lvl="1"/>
+            <a:r>
+              <a:rPr lang="en-AU" dirty="0"/>
+              <a:t>Compare the standard transliteration against the user name</a:t>
+            </a:r>
+          </a:p>
+          <a:p>
+            <a:pPr lvl="1"/>
+            <a:r>
+              <a:rPr lang="en-AU" dirty="0"/>
+              <a:t>If it is within a certain edit-distance threshold, we can assume that the name is a legitimate transliteration</a:t>
+            </a:r>
+          </a:p>
+          <a:p>
+            <a:r>
+              <a:rPr lang="en-AU" dirty="0"/>
+              <a:t>What is edit-distance?</a:t>
+            </a:r>
+          </a:p>
+          <a:p>
+            <a:pPr lvl="1"/>
+            <a:r>
+              <a:rPr lang="en-AU" dirty="0"/>
+              <a:t>A measure of how similar two words are</a:t>
+            </a:r>
+          </a:p>
+          <a:p>
+            <a:pPr lvl="1"/>
+            <a:r>
+              <a:rPr lang="en-AU" dirty="0"/>
+              <a:t>How many edits does it take to transform first word into the other</a:t>
+            </a:r>
+          </a:p>
+          <a:p>
+            <a:pPr lvl="1"/>
+            <a:r>
+              <a:rPr lang="en-AU" dirty="0"/>
+              <a:t>Many variants are used</a:t>
+            </a:r>
+          </a:p>
+          <a:p>
+            <a:pPr lvl="1"/>
+            <a:r>
+              <a:rPr lang="en-AU" dirty="0"/>
+              <a:t>In this project’s case a normalised version of the edit-distance is used so that long names and short names are treated the same</a:t>
+            </a:r>
+          </a:p>
+          <a:p>
+            <a:r>
+              <a:rPr lang="en-AU" dirty="0"/>
+              <a:t>Output are text files containing training and testing data</a:t>
+            </a:r>
+          </a:p>
+          <a:p>
+            <a:pPr lvl="1"/>
+            <a:endParaRPr lang="en-AU" dirty="0"/>
+          </a:p>
+          <a:p>
+            <a:pPr marL="274320" lvl="1" indent="0">
+              <a:buNone/>
+            </a:pPr>
+            <a:endParaRPr lang="en-AU" dirty="0"/>
+          </a:p>
+          <a:p>
+            <a:pPr marL="274320" lvl="1" indent="0">
+              <a:buNone/>
+            </a:pPr>
+            <a:endParaRPr lang="en-AU" dirty="0"/>
+          </a:p>
+        </p:txBody>
+      </p:sp>
+    </p:spTree>
+    <p:extLst>
+      <p:ext uri="{BB962C8B-B14F-4D97-AF65-F5344CB8AC3E}">
+        <p14:creationId xmlns:p14="http://schemas.microsoft.com/office/powerpoint/2010/main" val="1320467089"/>
+      </p:ext>
+    </p:extLst>
+  </p:cSld>
+  <p:clrMapOvr>
+    <a:masterClrMapping/>
+  </p:clrMapOvr>
+</p:sld>
+</file>
+
+<file path=ppt/slides/slide8.xml><?xml version="1.0" encoding="utf-8"?>
+<p:sld xmlns:a="http://schemas.openxmlformats.org/drawingml/2006/main" xmlns:r="http://schemas.openxmlformats.org/officeDocument/2006/relationships" xmlns:p="http://schemas.openxmlformats.org/presentationml/2006/main">
+  <p:cSld>
+    <p:spTree>
+      <p:nvGrpSpPr>
+        <p:cNvPr id="1" name=""/>
+        <p:cNvGrpSpPr/>
+        <p:nvPr/>
+      </p:nvGrpSpPr>
+      <p:grpSpPr>
+        <a:xfrm>
+          <a:off x="0" y="0"/>
+          <a:ext cx="0" cy="0"/>
+          <a:chOff x="0" y="0"/>
+          <a:chExt cx="0" cy="0"/>
+        </a:xfrm>
+      </p:grpSpPr>
+      <p:sp>
+        <p:nvSpPr>
+          <p:cNvPr id="2" name="Title 1">
+            <a:extLst>
+              <a:ext uri="{FF2B5EF4-FFF2-40B4-BE49-F238E27FC236}">
+                <a16:creationId xmlns:a16="http://schemas.microsoft.com/office/drawing/2014/main" id="{DC5F950E-465B-5A4E-A95A-6F2279166EA0}"/>
+              </a:ext>
+            </a:extLst>
+          </p:cNvPr>
+          <p:cNvSpPr>
+            <a:spLocks noGrp="1"/>
+          </p:cNvSpPr>
+          <p:nvPr>
+            <p:ph type="title"/>
+          </p:nvPr>
+        </p:nvSpPr>
+        <p:spPr/>
+        <p:txBody>
+          <a:bodyPr/>
+          <a:lstStyle/>
+          <a:p>
+            <a:pPr algn="ctr"/>
+            <a:r>
+              <a:rPr lang="en-AU" dirty="0"/>
+              <a:t>Training</a:t>
+            </a:r>
+          </a:p>
+        </p:txBody>
+      </p:sp>
+      <p:sp>
+        <p:nvSpPr>
+          <p:cNvPr id="3" name="Content Placeholder 2">
+            <a:extLst>
+              <a:ext uri="{FF2B5EF4-FFF2-40B4-BE49-F238E27FC236}">
+                <a16:creationId xmlns:a16="http://schemas.microsoft.com/office/drawing/2014/main" id="{AED150BE-21F0-0344-8FFA-9BBEE4AC4538}"/>
+              </a:ext>
+            </a:extLst>
+          </p:cNvPr>
+          <p:cNvSpPr>
+            <a:spLocks noGrp="1"/>
+          </p:cNvSpPr>
+          <p:nvPr>
+            <p:ph idx="1"/>
+          </p:nvPr>
+        </p:nvSpPr>
+        <p:spPr>
+          <a:xfrm>
+            <a:off x="1066801" y="2103120"/>
+            <a:ext cx="10058400" cy="2080952"/>
+          </a:xfrm>
+        </p:spPr>
+        <p:txBody>
+          <a:bodyPr>
+            <a:normAutofit/>
+          </a:bodyPr>
+          <a:lstStyle/>
+          <a:p>
+            <a:r>
+              <a:rPr lang="en-AU" dirty="0"/>
+              <a:t>Using a character-level recurrent sequence to sequence model to train data. Essentially a decoder, encoder LSTM model</a:t>
+            </a:r>
+          </a:p>
+          <a:p>
+            <a:r>
+              <a:rPr lang="en-AU" dirty="0"/>
+              <a:t>The “x” is user name and the screen name</a:t>
+            </a:r>
+          </a:p>
+          <a:p>
+            <a:r>
+              <a:rPr lang="en-AU" dirty="0"/>
+              <a:t>The “y” is the screen name shifted forward one time step</a:t>
+            </a:r>
+          </a:p>
+          <a:p>
+            <a:r>
+              <a:rPr lang="en-AU" dirty="0"/>
+              <a:t>Given the full English name and characters of the screen name up to current time step. The model tries to predict the next character of the screen name</a:t>
+            </a:r>
+          </a:p>
+          <a:p>
+            <a:endParaRPr lang="en-AU" dirty="0"/>
+          </a:p>
+        </p:txBody>
+      </p:sp>
+      <p:pic>
+        <p:nvPicPr>
+          <p:cNvPr id="5" name="Picture 4">
+            <a:extLst>
+              <a:ext uri="{FF2B5EF4-FFF2-40B4-BE49-F238E27FC236}">
+                <a16:creationId xmlns:a16="http://schemas.microsoft.com/office/drawing/2014/main" id="{D5947047-6D93-5F4F-A337-0271D7D36A3D}"/>
+              </a:ext>
+            </a:extLst>
+          </p:cNvPr>
+          <p:cNvPicPr>
+            <a:picLocks noChangeAspect="1"/>
+          </p:cNvPicPr>
+          <p:nvPr/>
+        </p:nvPicPr>
+        <p:blipFill>
+          <a:blip r:embed="rId2"/>
+          <a:stretch>
+            <a:fillRect/>
+          </a:stretch>
+        </p:blipFill>
+        <p:spPr>
+          <a:xfrm>
+            <a:off x="2878584" y="4184072"/>
+            <a:ext cx="6434831" cy="2294313"/>
+          </a:xfrm>
+          <a:prstGeom prst="rect">
+            <a:avLst/>
+          </a:prstGeom>
+        </p:spPr>
+      </p:pic>
+    </p:spTree>
+    <p:extLst>
+      <p:ext uri="{BB962C8B-B14F-4D97-AF65-F5344CB8AC3E}">
+        <p14:creationId xmlns:p14="http://schemas.microsoft.com/office/powerpoint/2010/main" val="884676462"/>
+      </p:ext>
+    </p:extLst>
+  </p:cSld>
+  <p:clrMapOvr>
+    <a:masterClrMapping/>
+  </p:clrMapOvr>
+</p:sld>
+</file>
+
+<file path=ppt/slides/slide9.xml><?xml version="1.0" encoding="utf-8"?>
+<p:sld xmlns:a="http://schemas.openxmlformats.org/drawingml/2006/main" xmlns:r="http://schemas.openxmlformats.org/officeDocument/2006/relationships" xmlns:p="http://schemas.openxmlformats.org/presentationml/2006/main">
+  <p:cSld>
+    <p:spTree>
+      <p:nvGrpSpPr>
+        <p:cNvPr id="1" name=""/>
+        <p:cNvGrpSpPr/>
+        <p:nvPr/>
+      </p:nvGrpSpPr>
+      <p:grpSpPr>
+        <a:xfrm>
+          <a:off x="0" y="0"/>
+          <a:ext cx="0" cy="0"/>
+          <a:chOff x="0" y="0"/>
+          <a:chExt cx="0" cy="0"/>
+        </a:xfrm>
+      </p:grpSpPr>
+      <p:sp>
+        <p:nvSpPr>
+          <p:cNvPr id="2" name="Title 1">
+            <a:extLst>
+              <a:ext uri="{FF2B5EF4-FFF2-40B4-BE49-F238E27FC236}">
+                <a16:creationId xmlns:a16="http://schemas.microsoft.com/office/drawing/2014/main" id="{28EA1F96-717C-AC4A-A510-E2CE1EE8EC3F}"/>
+              </a:ext>
+            </a:extLst>
+          </p:cNvPr>
+          <p:cNvSpPr>
+            <a:spLocks noGrp="1"/>
+          </p:cNvSpPr>
+          <p:nvPr>
+            <p:ph type="title"/>
+          </p:nvPr>
+        </p:nvSpPr>
+        <p:spPr/>
+        <p:txBody>
+          <a:bodyPr/>
+          <a:lstStyle/>
+          <a:p>
+            <a:pPr algn="ctr"/>
+            <a:r>
+              <a:rPr lang="en-AU" dirty="0"/>
+              <a:t>Evaluation</a:t>
+            </a:r>
+          </a:p>
+        </p:txBody>
+      </p:sp>
+      <p:sp>
+        <p:nvSpPr>
+          <p:cNvPr id="3" name="Content Placeholder 2">
+            <a:extLst>
+              <a:ext uri="{FF2B5EF4-FFF2-40B4-BE49-F238E27FC236}">
+                <a16:creationId xmlns:a16="http://schemas.microsoft.com/office/drawing/2014/main" id="{176ADB0F-1410-094C-82A2-CD4CD051CE1D}"/>
+              </a:ext>
+            </a:extLst>
+          </p:cNvPr>
+          <p:cNvSpPr>
+            <a:spLocks noGrp="1"/>
+          </p:cNvSpPr>
+          <p:nvPr>
+            <p:ph idx="1"/>
+          </p:nvPr>
+        </p:nvSpPr>
+        <p:spPr/>
+        <p:txBody>
+          <a:bodyPr/>
+          <a:lstStyle/>
+          <a:p>
+            <a:r>
+              <a:rPr lang="en-AU" dirty="0"/>
+              <a:t>Since we don’t actually have gold standard self-transliterated name pairs (I do not want to pay native speakers to self-transliterate thousands of names), we instead use three different test sets which have been cleansed on different edit-distance thresholds</a:t>
+            </a:r>
+          </a:p>
+          <a:p>
+            <a:r>
+              <a:rPr lang="en-AU" dirty="0"/>
+              <a:t>Test set 1: edit-distance threshold of 0</a:t>
+            </a:r>
+          </a:p>
+          <a:p>
+            <a:r>
+              <a:rPr lang="en-AU" dirty="0"/>
+              <a:t>Test set 2: edit-distance threshold of 0.1</a:t>
+            </a:r>
+          </a:p>
+          <a:p>
+            <a:r>
+              <a:rPr lang="en-AU" dirty="0"/>
+              <a:t>Test set 3: edit-distance threshold of 0.25</a:t>
+            </a:r>
+          </a:p>
+          <a:p>
+            <a:endParaRPr lang="en-AU" dirty="0"/>
+          </a:p>
+          <a:p>
+            <a:endParaRPr lang="en-AU" dirty="0"/>
+          </a:p>
+        </p:txBody>
+      </p:sp>
+      <p:pic>
+        <p:nvPicPr>
+          <p:cNvPr id="4" name="Picture 3">
+            <a:extLst>
+              <a:ext uri="{FF2B5EF4-FFF2-40B4-BE49-F238E27FC236}">
+                <a16:creationId xmlns:a16="http://schemas.microsoft.com/office/drawing/2014/main" id="{AEE7DB85-74A9-7A4D-9D64-22FA8805A9A0}"/>
+              </a:ext>
+            </a:extLst>
+          </p:cNvPr>
+          <p:cNvPicPr>
+            <a:picLocks noChangeAspect="1"/>
+          </p:cNvPicPr>
+          <p:nvPr/>
+        </p:nvPicPr>
+        <p:blipFill>
+          <a:blip r:embed="rId2"/>
+          <a:stretch>
+            <a:fillRect/>
+          </a:stretch>
+        </p:blipFill>
+        <p:spPr>
+          <a:xfrm>
+            <a:off x="1803400" y="4193646"/>
+            <a:ext cx="8585200" cy="1841394"/>
+          </a:xfrm>
+          <a:prstGeom prst="rect">
+            <a:avLst/>
+          </a:prstGeom>
+        </p:spPr>
+      </p:pic>
+    </p:spTree>
+    <p:extLst>
+      <p:ext uri="{BB962C8B-B14F-4D97-AF65-F5344CB8AC3E}">
+        <p14:creationId xmlns:p14="http://schemas.microsoft.com/office/powerpoint/2010/main" val="1761320351"/>
       </p:ext>
     </p:extLst>
   </p:cSld>

--- a/documents/draft presentation.pptx
+++ b/documents/draft presentation.pptx
@@ -618,7 +618,7 @@
           <a:p>
             <a:fld id="{9AB3A824-1A51-4B26-AD58-A6D8E14F6C04}" type="datetimeFigureOut">
               <a:rPr lang="en-US" smtClean="0"/>
-              <a:t>5/25/21</a:t>
+              <a:t>5/26/21</a:t>
             </a:fld>
             <a:endParaRPr lang="en-US" dirty="0"/>
           </a:p>
@@ -825,7 +825,7 @@
           <a:p>
             <a:fld id="{D857E33E-8B18-4087-B112-809917729534}" type="datetimeFigureOut">
               <a:rPr lang="en-US" smtClean="0"/>
-              <a:t>5/25/21</a:t>
+              <a:t>5/26/21</a:t>
             </a:fld>
             <a:endParaRPr lang="en-US" dirty="0"/>
           </a:p>
@@ -1010,7 +1010,7 @@
           <a:p>
             <a:fld id="{D3FFE419-2371-464F-8239-3959401C3561}" type="datetimeFigureOut">
               <a:rPr lang="en-US" smtClean="0"/>
-              <a:t>5/25/21</a:t>
+              <a:t>5/26/21</a:t>
             </a:fld>
             <a:endParaRPr lang="en-US" dirty="0"/>
           </a:p>
@@ -1185,7 +1185,7 @@
           <a:p>
             <a:fld id="{97D162C4-EDD9-4389-A98B-B87ECEA2A816}" type="datetimeFigureOut">
               <a:rPr lang="en-US" smtClean="0"/>
-              <a:t>5/25/21</a:t>
+              <a:t>5/26/21</a:t>
             </a:fld>
             <a:endParaRPr lang="en-US" dirty="0"/>
           </a:p>
@@ -1770,7 +1770,7 @@
           <a:p>
             <a:fld id="{3E5059C3-6A89-4494-99FF-5A4D6FFD50EB}" type="datetimeFigureOut">
               <a:rPr lang="en-US" smtClean="0"/>
-              <a:t>5/25/21</a:t>
+              <a:t>5/26/21</a:t>
             </a:fld>
             <a:endParaRPr lang="en-US" dirty="0"/>
           </a:p>
@@ -2077,7 +2077,7 @@
           <a:p>
             <a:fld id="{CA954B2F-12DE-47F5-8894-472B206D2E1E}" type="datetimeFigureOut">
               <a:rPr lang="en-US" smtClean="0"/>
-              <a:t>5/25/21</a:t>
+              <a:t>5/26/21</a:t>
             </a:fld>
             <a:endParaRPr lang="en-US" dirty="0"/>
           </a:p>
@@ -2519,7 +2519,7 @@
           <a:p>
             <a:fld id="{3F30E46F-7819-4ACF-B48B-48222C2ACC88}" type="datetimeFigureOut">
               <a:rPr lang="en-US" smtClean="0"/>
-              <a:t>5/25/21</a:t>
+              <a:t>5/26/21</a:t>
             </a:fld>
             <a:endParaRPr lang="en-US" dirty="0"/>
           </a:p>
@@ -2642,7 +2642,7 @@
           <a:p>
             <a:fld id="{1FAF3416-4057-4DAA-829D-4CA07428D088}" type="datetimeFigureOut">
               <a:rPr lang="en-US" smtClean="0"/>
-              <a:t>5/25/21</a:t>
+              <a:t>5/26/21</a:t>
             </a:fld>
             <a:endParaRPr lang="en-US" dirty="0"/>
           </a:p>
@@ -2742,7 +2742,7 @@
           <a:p>
             <a:fld id="{921D9284-D300-4297-87F7-E791DCC15DB1}" type="datetimeFigureOut">
               <a:rPr lang="en-US" smtClean="0"/>
-              <a:t>5/25/21</a:t>
+              <a:t>5/26/21</a:t>
             </a:fld>
             <a:endParaRPr lang="en-US" dirty="0"/>
           </a:p>
@@ -3091,7 +3091,7 @@
           <a:p>
             <a:fld id="{37D525BB-DA17-4BA0-B3C8-3AC3ABC827E6}" type="datetimeFigureOut">
               <a:rPr lang="en-US" smtClean="0"/>
-              <a:t>5/25/21</a:t>
+              <a:t>5/26/21</a:t>
             </a:fld>
             <a:endParaRPr lang="en-US" dirty="0"/>
           </a:p>
@@ -3485,7 +3485,7 @@
           <a:p>
             <a:fld id="{B16C4C9A-3960-41CF-A4E9-2A8FB932454B}" type="datetimeFigureOut">
               <a:rPr lang="en-US" smtClean="0"/>
-              <a:t>5/25/21</a:t>
+              <a:t>5/26/21</a:t>
             </a:fld>
             <a:endParaRPr lang="en-US" dirty="0"/>
           </a:p>
@@ -3798,7 +3798,7 @@
           <a:p>
             <a:fld id="{3CBC1C18-307B-4F68-A007-B5B542270E8D}" type="datetimeFigureOut">
               <a:rPr lang="en-US" smtClean="0"/>
-              <a:t>5/25/21</a:t>
+              <a:t>5/26/21</a:t>
             </a:fld>
             <a:endParaRPr lang="en-US" dirty="0"/>
           </a:p>
@@ -5206,8 +5206,8 @@
           </a:p>
         </p:txBody>
       </p:sp>
-      <mc:AlternateContent xmlns:mc="http://schemas.openxmlformats.org/markup-compatibility/2006">
-        <mc:Choice xmlns:a14="http://schemas.microsoft.com/office/drawing/2010/main" Requires="a14">
+      <mc:AlternateContent xmlns:mc="http://schemas.openxmlformats.org/markup-compatibility/2006" xmlns:a14="http://schemas.microsoft.com/office/drawing/2010/main">
+        <mc:Choice Requires="a14">
           <p:sp>
             <p:nvSpPr>
               <p:cNvPr id="3" name="Content Placeholder 2">
@@ -5473,7 +5473,7 @@
             </p:txBody>
           </p:sp>
         </mc:Choice>
-        <mc:Fallback>
+        <mc:Fallback xmlns="">
           <p:sp>
             <p:nvSpPr>
               <p:cNvPr id="3" name="Content Placeholder 2">
